--- a/Data_pipeline_viz.pptx
+++ b/Data_pipeline_viz.pptx
@@ -127,19 +127,19 @@
 <pc:chgInfo xmlns:a="http://schemas.openxmlformats.org/drawingml/2006/main" xmlns:r="http://schemas.openxmlformats.org/officeDocument/2006/relationships" xmlns:ac="http://schemas.microsoft.com/office/drawing/2013/main/command" xmlns:pc="http://schemas.microsoft.com/office/powerpoint/2013/main/command">
   <pc:docChgLst>
     <pc:chgData name="Tony Banks" userId="001045b5-28bd-408b-a27a-b226e2484c6d" providerId="ADAL" clId="{F360A61D-659E-44B6-B956-67B420493FD7}"/>
-    <pc:docChg chg="undo custSel modSld">
-      <pc:chgData name="Tony Banks" userId="001045b5-28bd-408b-a27a-b226e2484c6d" providerId="ADAL" clId="{F360A61D-659E-44B6-B956-67B420493FD7}" dt="2023-03-22T20:46:42.219" v="139" actId="1076"/>
+    <pc:docChg chg="undo redo custSel modSld">
+      <pc:chgData name="Tony Banks" userId="001045b5-28bd-408b-a27a-b226e2484c6d" providerId="ADAL" clId="{F360A61D-659E-44B6-B956-67B420493FD7}" dt="2023-03-24T18:13:16.540" v="882" actId="115"/>
       <pc:docMkLst>
         <pc:docMk/>
       </pc:docMkLst>
       <pc:sldChg chg="addSp delSp modSp">
-        <pc:chgData name="Tony Banks" userId="001045b5-28bd-408b-a27a-b226e2484c6d" providerId="ADAL" clId="{F360A61D-659E-44B6-B956-67B420493FD7}" dt="2023-03-22T20:46:42.219" v="139" actId="1076"/>
+        <pc:chgData name="Tony Banks" userId="001045b5-28bd-408b-a27a-b226e2484c6d" providerId="ADAL" clId="{F360A61D-659E-44B6-B956-67B420493FD7}" dt="2023-03-24T18:13:16.540" v="882" actId="115"/>
         <pc:sldMkLst>
           <pc:docMk/>
           <pc:sldMk cId="2230776592" sldId="256"/>
         </pc:sldMkLst>
         <pc:spChg chg="mod">
-          <ac:chgData name="Tony Banks" userId="001045b5-28bd-408b-a27a-b226e2484c6d" providerId="ADAL" clId="{F360A61D-659E-44B6-B956-67B420493FD7}" dt="2023-03-22T20:46:32.168" v="138" actId="1076"/>
+          <ac:chgData name="Tony Banks" userId="001045b5-28bd-408b-a27a-b226e2484c6d" providerId="ADAL" clId="{F360A61D-659E-44B6-B956-67B420493FD7}" dt="2023-03-24T18:08:38.181" v="738" actId="1076"/>
           <ac:spMkLst>
             <pc:docMk/>
             <pc:sldMk cId="2230776592" sldId="256"/>
@@ -147,7 +147,7 @@
           </ac:spMkLst>
         </pc:spChg>
         <pc:spChg chg="mod">
-          <ac:chgData name="Tony Banks" userId="001045b5-28bd-408b-a27a-b226e2484c6d" providerId="ADAL" clId="{F360A61D-659E-44B6-B956-67B420493FD7}" dt="2023-03-22T20:28:13.807" v="5" actId="114"/>
+          <ac:chgData name="Tony Banks" userId="001045b5-28bd-408b-a27a-b226e2484c6d" providerId="ADAL" clId="{F360A61D-659E-44B6-B956-67B420493FD7}" dt="2023-03-24T18:08:38.181" v="738" actId="1076"/>
           <ac:spMkLst>
             <pc:docMk/>
             <pc:sldMk cId="2230776592" sldId="256"/>
@@ -155,7 +155,7 @@
           </ac:spMkLst>
         </pc:spChg>
         <pc:spChg chg="mod">
-          <ac:chgData name="Tony Banks" userId="001045b5-28bd-408b-a27a-b226e2484c6d" providerId="ADAL" clId="{F360A61D-659E-44B6-B956-67B420493FD7}" dt="2023-03-22T20:27:00.257" v="0" actId="1076"/>
+          <ac:chgData name="Tony Banks" userId="001045b5-28bd-408b-a27a-b226e2484c6d" providerId="ADAL" clId="{F360A61D-659E-44B6-B956-67B420493FD7}" dt="2023-03-24T18:10:11.021" v="870" actId="20577"/>
           <ac:spMkLst>
             <pc:docMk/>
             <pc:sldMk cId="2230776592" sldId="256"/>
@@ -163,7 +163,7 @@
           </ac:spMkLst>
         </pc:spChg>
         <pc:spChg chg="mod">
-          <ac:chgData name="Tony Banks" userId="001045b5-28bd-408b-a27a-b226e2484c6d" providerId="ADAL" clId="{F360A61D-659E-44B6-B956-67B420493FD7}" dt="2023-03-22T20:28:17.005" v="6" actId="114"/>
+          <ac:chgData name="Tony Banks" userId="001045b5-28bd-408b-a27a-b226e2484c6d" providerId="ADAL" clId="{F360A61D-659E-44B6-B956-67B420493FD7}" dt="2023-03-24T18:08:38.181" v="738" actId="1076"/>
           <ac:spMkLst>
             <pc:docMk/>
             <pc:sldMk cId="2230776592" sldId="256"/>
@@ -171,7 +171,7 @@
           </ac:spMkLst>
         </pc:spChg>
         <pc:spChg chg="mod">
-          <ac:chgData name="Tony Banks" userId="001045b5-28bd-408b-a27a-b226e2484c6d" providerId="ADAL" clId="{F360A61D-659E-44B6-B956-67B420493FD7}" dt="2023-03-22T20:45:49.140" v="136" actId="1076"/>
+          <ac:chgData name="Tony Banks" userId="001045b5-28bd-408b-a27a-b226e2484c6d" providerId="ADAL" clId="{F360A61D-659E-44B6-B956-67B420493FD7}" dt="2023-03-24T18:08:38.181" v="738" actId="1076"/>
           <ac:spMkLst>
             <pc:docMk/>
             <pc:sldMk cId="2230776592" sldId="256"/>
@@ -179,7 +179,7 @@
           </ac:spMkLst>
         </pc:spChg>
         <pc:spChg chg="mod">
-          <ac:chgData name="Tony Banks" userId="001045b5-28bd-408b-a27a-b226e2484c6d" providerId="ADAL" clId="{F360A61D-659E-44B6-B956-67B420493FD7}" dt="2023-03-22T20:45:43.280" v="133" actId="1076"/>
+          <ac:chgData name="Tony Banks" userId="001045b5-28bd-408b-a27a-b226e2484c6d" providerId="ADAL" clId="{F360A61D-659E-44B6-B956-67B420493FD7}" dt="2023-03-24T18:08:38.181" v="738" actId="1076"/>
           <ac:spMkLst>
             <pc:docMk/>
             <pc:sldMk cId="2230776592" sldId="256"/>
@@ -187,7 +187,7 @@
           </ac:spMkLst>
         </pc:spChg>
         <pc:spChg chg="mod">
-          <ac:chgData name="Tony Banks" userId="001045b5-28bd-408b-a27a-b226e2484c6d" providerId="ADAL" clId="{F360A61D-659E-44B6-B956-67B420493FD7}" dt="2023-03-22T20:45:00.445" v="127" actId="1076"/>
+          <ac:chgData name="Tony Banks" userId="001045b5-28bd-408b-a27a-b226e2484c6d" providerId="ADAL" clId="{F360A61D-659E-44B6-B956-67B420493FD7}" dt="2023-03-24T18:08:38.181" v="738" actId="1076"/>
           <ac:spMkLst>
             <pc:docMk/>
             <pc:sldMk cId="2230776592" sldId="256"/>
@@ -195,7 +195,7 @@
           </ac:spMkLst>
         </pc:spChg>
         <pc:spChg chg="mod">
-          <ac:chgData name="Tony Banks" userId="001045b5-28bd-408b-a27a-b226e2484c6d" providerId="ADAL" clId="{F360A61D-659E-44B6-B956-67B420493FD7}" dt="2023-03-22T20:45:00.445" v="127" actId="1076"/>
+          <ac:chgData name="Tony Banks" userId="001045b5-28bd-408b-a27a-b226e2484c6d" providerId="ADAL" clId="{F360A61D-659E-44B6-B956-67B420493FD7}" dt="2023-03-24T18:08:38.181" v="738" actId="1076"/>
           <ac:spMkLst>
             <pc:docMk/>
             <pc:sldMk cId="2230776592" sldId="256"/>
@@ -203,7 +203,39 @@
           </ac:spMkLst>
         </pc:spChg>
         <pc:spChg chg="add mod">
-          <ac:chgData name="Tony Banks" userId="001045b5-28bd-408b-a27a-b226e2484c6d" providerId="ADAL" clId="{F360A61D-659E-44B6-B956-67B420493FD7}" dt="2023-03-22T20:46:32.168" v="138" actId="1076"/>
+          <ac:chgData name="Tony Banks" userId="001045b5-28bd-408b-a27a-b226e2484c6d" providerId="ADAL" clId="{F360A61D-659E-44B6-B956-67B420493FD7}" dt="2023-03-24T18:08:38.181" v="738" actId="1076"/>
+          <ac:spMkLst>
+            <pc:docMk/>
+            <pc:sldMk cId="2230776592" sldId="256"/>
+            <ac:spMk id="49" creationId="{BBD7D21E-79D3-4A85-AE05-D22B995F7D29}"/>
+          </ac:spMkLst>
+        </pc:spChg>
+        <pc:spChg chg="add mod">
+          <ac:chgData name="Tony Banks" userId="001045b5-28bd-408b-a27a-b226e2484c6d" providerId="ADAL" clId="{F360A61D-659E-44B6-B956-67B420493FD7}" dt="2023-03-24T18:08:38.181" v="738" actId="1076"/>
+          <ac:spMkLst>
+            <pc:docMk/>
+            <pc:sldMk cId="2230776592" sldId="256"/>
+            <ac:spMk id="51" creationId="{80EFB86E-AAC0-480A-BB9B-3BAFE4C6FFD8}"/>
+          </ac:spMkLst>
+        </pc:spChg>
+        <pc:spChg chg="add mod">
+          <ac:chgData name="Tony Banks" userId="001045b5-28bd-408b-a27a-b226e2484c6d" providerId="ADAL" clId="{F360A61D-659E-44B6-B956-67B420493FD7}" dt="2023-03-24T18:08:38.181" v="738" actId="1076"/>
+          <ac:spMkLst>
+            <pc:docMk/>
+            <pc:sldMk cId="2230776592" sldId="256"/>
+            <ac:spMk id="53" creationId="{4106A155-2D86-43BF-88A7-35C8E2B3F6FB}"/>
+          </ac:spMkLst>
+        </pc:spChg>
+        <pc:spChg chg="add mod">
+          <ac:chgData name="Tony Banks" userId="001045b5-28bd-408b-a27a-b226e2484c6d" providerId="ADAL" clId="{F360A61D-659E-44B6-B956-67B420493FD7}" dt="2023-03-24T18:08:38.181" v="738" actId="1076"/>
+          <ac:spMkLst>
+            <pc:docMk/>
+            <pc:sldMk cId="2230776592" sldId="256"/>
+            <ac:spMk id="54" creationId="{974F70E6-669C-4E27-8BA5-04DA0F206E4A}"/>
+          </ac:spMkLst>
+        </pc:spChg>
+        <pc:spChg chg="add mod">
+          <ac:chgData name="Tony Banks" userId="001045b5-28bd-408b-a27a-b226e2484c6d" providerId="ADAL" clId="{F360A61D-659E-44B6-B956-67B420493FD7}" dt="2023-03-24T18:08:38.181" v="738" actId="1076"/>
           <ac:spMkLst>
             <pc:docMk/>
             <pc:sldMk cId="2230776592" sldId="256"/>
@@ -227,7 +259,7 @@
           </ac:spMkLst>
         </pc:spChg>
         <pc:spChg chg="add mod">
-          <ac:chgData name="Tony Banks" userId="001045b5-28bd-408b-a27a-b226e2484c6d" providerId="ADAL" clId="{F360A61D-659E-44B6-B956-67B420493FD7}" dt="2023-03-22T20:46:32.168" v="138" actId="1076"/>
+          <ac:chgData name="Tony Banks" userId="001045b5-28bd-408b-a27a-b226e2484c6d" providerId="ADAL" clId="{F360A61D-659E-44B6-B956-67B420493FD7}" dt="2023-03-24T18:08:38.181" v="738" actId="1076"/>
           <ac:spMkLst>
             <pc:docMk/>
             <pc:sldMk cId="2230776592" sldId="256"/>
@@ -235,7 +267,7 @@
           </ac:spMkLst>
         </pc:spChg>
         <pc:spChg chg="add mod">
-          <ac:chgData name="Tony Banks" userId="001045b5-28bd-408b-a27a-b226e2484c6d" providerId="ADAL" clId="{F360A61D-659E-44B6-B956-67B420493FD7}" dt="2023-03-22T20:46:32.168" v="138" actId="1076"/>
+          <ac:chgData name="Tony Banks" userId="001045b5-28bd-408b-a27a-b226e2484c6d" providerId="ADAL" clId="{F360A61D-659E-44B6-B956-67B420493FD7}" dt="2023-03-24T18:08:38.181" v="738" actId="1076"/>
           <ac:spMkLst>
             <pc:docMk/>
             <pc:sldMk cId="2230776592" sldId="256"/>
@@ -243,7 +275,7 @@
           </ac:spMkLst>
         </pc:spChg>
         <pc:spChg chg="add mod">
-          <ac:chgData name="Tony Banks" userId="001045b5-28bd-408b-a27a-b226e2484c6d" providerId="ADAL" clId="{F360A61D-659E-44B6-B956-67B420493FD7}" dt="2023-03-22T20:46:42.219" v="139" actId="1076"/>
+          <ac:chgData name="Tony Banks" userId="001045b5-28bd-408b-a27a-b226e2484c6d" providerId="ADAL" clId="{F360A61D-659E-44B6-B956-67B420493FD7}" dt="2023-03-24T18:08:38.181" v="738" actId="1076"/>
           <ac:spMkLst>
             <pc:docMk/>
             <pc:sldMk cId="2230776592" sldId="256"/>
@@ -251,7 +283,7 @@
           </ac:spMkLst>
         </pc:spChg>
         <pc:spChg chg="add mod">
-          <ac:chgData name="Tony Banks" userId="001045b5-28bd-408b-a27a-b226e2484c6d" providerId="ADAL" clId="{F360A61D-659E-44B6-B956-67B420493FD7}" dt="2023-03-22T20:46:32.168" v="138" actId="1076"/>
+          <ac:chgData name="Tony Banks" userId="001045b5-28bd-408b-a27a-b226e2484c6d" providerId="ADAL" clId="{F360A61D-659E-44B6-B956-67B420493FD7}" dt="2023-03-24T18:08:38.181" v="738" actId="1076"/>
           <ac:spMkLst>
             <pc:docMk/>
             <pc:sldMk cId="2230776592" sldId="256"/>
@@ -259,7 +291,7 @@
           </ac:spMkLst>
         </pc:spChg>
         <pc:spChg chg="add mod">
-          <ac:chgData name="Tony Banks" userId="001045b5-28bd-408b-a27a-b226e2484c6d" providerId="ADAL" clId="{F360A61D-659E-44B6-B956-67B420493FD7}" dt="2023-03-22T20:46:32.168" v="138" actId="1076"/>
+          <ac:chgData name="Tony Banks" userId="001045b5-28bd-408b-a27a-b226e2484c6d" providerId="ADAL" clId="{F360A61D-659E-44B6-B956-67B420493FD7}" dt="2023-03-24T18:08:38.181" v="738" actId="1076"/>
           <ac:spMkLst>
             <pc:docMk/>
             <pc:sldMk cId="2230776592" sldId="256"/>
@@ -267,15 +299,79 @@
           </ac:spMkLst>
         </pc:spChg>
         <pc:spChg chg="add mod">
-          <ac:chgData name="Tony Banks" userId="001045b5-28bd-408b-a27a-b226e2484c6d" providerId="ADAL" clId="{F360A61D-659E-44B6-B956-67B420493FD7}" dt="2023-03-22T20:46:32.168" v="138" actId="1076"/>
+          <ac:chgData name="Tony Banks" userId="001045b5-28bd-408b-a27a-b226e2484c6d" providerId="ADAL" clId="{F360A61D-659E-44B6-B956-67B420493FD7}" dt="2023-03-24T18:08:38.181" v="738" actId="1076"/>
           <ac:spMkLst>
             <pc:docMk/>
             <pc:sldMk cId="2230776592" sldId="256"/>
             <ac:spMk id="96" creationId="{92F43810-188A-4BB8-AC53-729FD63BC4A2}"/>
           </ac:spMkLst>
         </pc:spChg>
+        <pc:spChg chg="add del mod">
+          <ac:chgData name="Tony Banks" userId="001045b5-28bd-408b-a27a-b226e2484c6d" providerId="ADAL" clId="{F360A61D-659E-44B6-B956-67B420493FD7}" dt="2023-03-24T17:38:01.908" v="290" actId="478"/>
+          <ac:spMkLst>
+            <pc:docMk/>
+            <pc:sldMk cId="2230776592" sldId="256"/>
+            <ac:spMk id="161" creationId="{B18D3193-BCF6-4A89-A0D1-426D0EB0C03D}"/>
+          </ac:spMkLst>
+        </pc:spChg>
+        <pc:spChg chg="add mod ord">
+          <ac:chgData name="Tony Banks" userId="001045b5-28bd-408b-a27a-b226e2484c6d" providerId="ADAL" clId="{F360A61D-659E-44B6-B956-67B420493FD7}" dt="2023-03-24T18:08:38.181" v="738" actId="1076"/>
+          <ac:spMkLst>
+            <pc:docMk/>
+            <pc:sldMk cId="2230776592" sldId="256"/>
+            <ac:spMk id="162" creationId="{6AADE331-CEB7-4259-A59B-A182E62E4E64}"/>
+          </ac:spMkLst>
+        </pc:spChg>
+        <pc:spChg chg="add mod ord">
+          <ac:chgData name="Tony Banks" userId="001045b5-28bd-408b-a27a-b226e2484c6d" providerId="ADAL" clId="{F360A61D-659E-44B6-B956-67B420493FD7}" dt="2023-03-24T18:08:38.181" v="738" actId="1076"/>
+          <ac:spMkLst>
+            <pc:docMk/>
+            <pc:sldMk cId="2230776592" sldId="256"/>
+            <ac:spMk id="163" creationId="{54F17B97-5431-4288-841C-00DC5BA4795F}"/>
+          </ac:spMkLst>
+        </pc:spChg>
+        <pc:spChg chg="add mod ord">
+          <ac:chgData name="Tony Banks" userId="001045b5-28bd-408b-a27a-b226e2484c6d" providerId="ADAL" clId="{F360A61D-659E-44B6-B956-67B420493FD7}" dt="2023-03-24T18:12:13.379" v="877" actId="14100"/>
+          <ac:spMkLst>
+            <pc:docMk/>
+            <pc:sldMk cId="2230776592" sldId="256"/>
+            <ac:spMk id="164" creationId="{7450B3B3-CF84-4846-ABDB-0320494329BA}"/>
+          </ac:spMkLst>
+        </pc:spChg>
         <pc:spChg chg="add mod">
-          <ac:chgData name="Tony Banks" userId="001045b5-28bd-408b-a27a-b226e2484c6d" providerId="ADAL" clId="{F360A61D-659E-44B6-B956-67B420493FD7}" dt="2023-03-22T20:45:33.073" v="132" actId="1076"/>
+          <ac:chgData name="Tony Banks" userId="001045b5-28bd-408b-a27a-b226e2484c6d" providerId="ADAL" clId="{F360A61D-659E-44B6-B956-67B420493FD7}" dt="2023-03-24T18:13:10.041" v="879" actId="115"/>
+          <ac:spMkLst>
+            <pc:docMk/>
+            <pc:sldMk cId="2230776592" sldId="256"/>
+            <ac:spMk id="172" creationId="{519A1FF5-86B2-4250-AD62-FEB7F957F710}"/>
+          </ac:spMkLst>
+        </pc:spChg>
+        <pc:spChg chg="add mod">
+          <ac:chgData name="Tony Banks" userId="001045b5-28bd-408b-a27a-b226e2484c6d" providerId="ADAL" clId="{F360A61D-659E-44B6-B956-67B420493FD7}" dt="2023-03-24T18:08:38.181" v="738" actId="1076"/>
+          <ac:spMkLst>
+            <pc:docMk/>
+            <pc:sldMk cId="2230776592" sldId="256"/>
+            <ac:spMk id="173" creationId="{9BE47BFF-40D8-4ABD-A41E-1056F993E0DC}"/>
+          </ac:spMkLst>
+        </pc:spChg>
+        <pc:spChg chg="add mod ord">
+          <ac:chgData name="Tony Banks" userId="001045b5-28bd-408b-a27a-b226e2484c6d" providerId="ADAL" clId="{F360A61D-659E-44B6-B956-67B420493FD7}" dt="2023-03-24T18:10:23.328" v="872" actId="14100"/>
+          <ac:spMkLst>
+            <pc:docMk/>
+            <pc:sldMk cId="2230776592" sldId="256"/>
+            <ac:spMk id="174" creationId="{5D13F39A-4281-4BC9-BC41-87FBC2FF5C67}"/>
+          </ac:spMkLst>
+        </pc:spChg>
+        <pc:spChg chg="add mod">
+          <ac:chgData name="Tony Banks" userId="001045b5-28bd-408b-a27a-b226e2484c6d" providerId="ADAL" clId="{F360A61D-659E-44B6-B956-67B420493FD7}" dt="2023-03-24T18:08:38.181" v="738" actId="1076"/>
+          <ac:spMkLst>
+            <pc:docMk/>
+            <pc:sldMk cId="2230776592" sldId="256"/>
+            <ac:spMk id="176" creationId="{F9C7FB6D-9AF0-412B-9BF4-1273F66881C4}"/>
+          </ac:spMkLst>
+        </pc:spChg>
+        <pc:spChg chg="add mod">
+          <ac:chgData name="Tony Banks" userId="001045b5-28bd-408b-a27a-b226e2484c6d" providerId="ADAL" clId="{F360A61D-659E-44B6-B956-67B420493FD7}" dt="2023-03-24T18:08:38.181" v="738" actId="1076"/>
           <ac:spMkLst>
             <pc:docMk/>
             <pc:sldMk cId="2230776592" sldId="256"/>
@@ -283,7 +379,63 @@
           </ac:spMkLst>
         </pc:spChg>
         <pc:spChg chg="add mod">
-          <ac:chgData name="Tony Banks" userId="001045b5-28bd-408b-a27a-b226e2484c6d" providerId="ADAL" clId="{F360A61D-659E-44B6-B956-67B420493FD7}" dt="2023-03-22T20:45:33.073" v="132" actId="1076"/>
+          <ac:chgData name="Tony Banks" userId="001045b5-28bd-408b-a27a-b226e2484c6d" providerId="ADAL" clId="{F360A61D-659E-44B6-B956-67B420493FD7}" dt="2023-03-24T18:13:14.715" v="881" actId="115"/>
+          <ac:spMkLst>
+            <pc:docMk/>
+            <pc:sldMk cId="2230776592" sldId="256"/>
+            <ac:spMk id="186" creationId="{38EEA66A-08BC-4D19-8412-E69A6297F4FA}"/>
+          </ac:spMkLst>
+        </pc:spChg>
+        <pc:spChg chg="add mod">
+          <ac:chgData name="Tony Banks" userId="001045b5-28bd-408b-a27a-b226e2484c6d" providerId="ADAL" clId="{F360A61D-659E-44B6-B956-67B420493FD7}" dt="2023-03-24T18:13:12.121" v="880" actId="115"/>
+          <ac:spMkLst>
+            <pc:docMk/>
+            <pc:sldMk cId="2230776592" sldId="256"/>
+            <ac:spMk id="188" creationId="{46B0359A-783F-4383-B939-85D353DE3563}"/>
+          </ac:spMkLst>
+        </pc:spChg>
+        <pc:spChg chg="add mod">
+          <ac:chgData name="Tony Banks" userId="001045b5-28bd-408b-a27a-b226e2484c6d" providerId="ADAL" clId="{F360A61D-659E-44B6-B956-67B420493FD7}" dt="2023-03-24T18:08:38.181" v="738" actId="1076"/>
+          <ac:spMkLst>
+            <pc:docMk/>
+            <pc:sldMk cId="2230776592" sldId="256"/>
+            <ac:spMk id="190" creationId="{AE24FC84-8D6C-4025-85AD-5905D887CA02}"/>
+          </ac:spMkLst>
+        </pc:spChg>
+        <pc:spChg chg="add mod">
+          <ac:chgData name="Tony Banks" userId="001045b5-28bd-408b-a27a-b226e2484c6d" providerId="ADAL" clId="{F360A61D-659E-44B6-B956-67B420493FD7}" dt="2023-03-24T18:08:38.181" v="738" actId="1076"/>
+          <ac:spMkLst>
+            <pc:docMk/>
+            <pc:sldMk cId="2230776592" sldId="256"/>
+            <ac:spMk id="191" creationId="{4932F9AF-CE16-48A3-B367-B49DDE06B204}"/>
+          </ac:spMkLst>
+        </pc:spChg>
+        <pc:spChg chg="add mod">
+          <ac:chgData name="Tony Banks" userId="001045b5-28bd-408b-a27a-b226e2484c6d" providerId="ADAL" clId="{F360A61D-659E-44B6-B956-67B420493FD7}" dt="2023-03-24T18:08:38.181" v="738" actId="1076"/>
+          <ac:spMkLst>
+            <pc:docMk/>
+            <pc:sldMk cId="2230776592" sldId="256"/>
+            <ac:spMk id="192" creationId="{ECFA7A7A-3A12-4091-BAFB-C93492B19D8C}"/>
+          </ac:spMkLst>
+        </pc:spChg>
+        <pc:spChg chg="add mod">
+          <ac:chgData name="Tony Banks" userId="001045b5-28bd-408b-a27a-b226e2484c6d" providerId="ADAL" clId="{F360A61D-659E-44B6-B956-67B420493FD7}" dt="2023-03-24T18:08:38.181" v="738" actId="1076"/>
+          <ac:spMkLst>
+            <pc:docMk/>
+            <pc:sldMk cId="2230776592" sldId="256"/>
+            <ac:spMk id="193" creationId="{AC62ABC1-8D0F-414D-B757-CC60364668BB}"/>
+          </ac:spMkLst>
+        </pc:spChg>
+        <pc:spChg chg="add mod">
+          <ac:chgData name="Tony Banks" userId="001045b5-28bd-408b-a27a-b226e2484c6d" providerId="ADAL" clId="{F360A61D-659E-44B6-B956-67B420493FD7}" dt="2023-03-24T18:08:38.181" v="738" actId="1076"/>
+          <ac:spMkLst>
+            <pc:docMk/>
+            <pc:sldMk cId="2230776592" sldId="256"/>
+            <ac:spMk id="194" creationId="{A3FF3055-6B9F-4F0E-98A6-10EF1920E8A7}"/>
+          </ac:spMkLst>
+        </pc:spChg>
+        <pc:spChg chg="add mod">
+          <ac:chgData name="Tony Banks" userId="001045b5-28bd-408b-a27a-b226e2484c6d" providerId="ADAL" clId="{F360A61D-659E-44B6-B956-67B420493FD7}" dt="2023-03-24T18:08:38.181" v="738" actId="1076"/>
           <ac:spMkLst>
             <pc:docMk/>
             <pc:sldMk cId="2230776592" sldId="256"/>
@@ -291,31 +443,95 @@
           </ac:spMkLst>
         </pc:spChg>
         <pc:spChg chg="add mod">
-          <ac:chgData name="Tony Banks" userId="001045b5-28bd-408b-a27a-b226e2484c6d" providerId="ADAL" clId="{F360A61D-659E-44B6-B956-67B420493FD7}" dt="2023-03-22T20:45:33.073" v="132" actId="1076"/>
+          <ac:chgData name="Tony Banks" userId="001045b5-28bd-408b-a27a-b226e2484c6d" providerId="ADAL" clId="{F360A61D-659E-44B6-B956-67B420493FD7}" dt="2023-03-24T18:13:07.735" v="878" actId="115"/>
+          <ac:spMkLst>
+            <pc:docMk/>
+            <pc:sldMk cId="2230776592" sldId="256"/>
+            <ac:spMk id="196" creationId="{0530C2AC-5D35-4180-BDE5-83763A846D14}"/>
+          </ac:spMkLst>
+        </pc:spChg>
+        <pc:spChg chg="add mod ord">
+          <ac:chgData name="Tony Banks" userId="001045b5-28bd-408b-a27a-b226e2484c6d" providerId="ADAL" clId="{F360A61D-659E-44B6-B956-67B420493FD7}" dt="2023-03-24T18:08:38.181" v="738" actId="1076"/>
+          <ac:spMkLst>
+            <pc:docMk/>
+            <pc:sldMk cId="2230776592" sldId="256"/>
+            <ac:spMk id="198" creationId="{DD8A51DD-62B0-44C4-A3E0-4511FBA8F222}"/>
+          </ac:spMkLst>
+        </pc:spChg>
+        <pc:spChg chg="add mod">
+          <ac:chgData name="Tony Banks" userId="001045b5-28bd-408b-a27a-b226e2484c6d" providerId="ADAL" clId="{F360A61D-659E-44B6-B956-67B420493FD7}" dt="2023-03-24T18:08:38.181" v="738" actId="1076"/>
           <ac:spMkLst>
             <pc:docMk/>
             <pc:sldMk cId="2230776592" sldId="256"/>
             <ac:spMk id="199" creationId="{869900E4-2240-44E2-96AE-20BC4C6A643B}"/>
           </ac:spMkLst>
         </pc:spChg>
+        <pc:spChg chg="add mod">
+          <ac:chgData name="Tony Banks" userId="001045b5-28bd-408b-a27a-b226e2484c6d" providerId="ADAL" clId="{F360A61D-659E-44B6-B956-67B420493FD7}" dt="2023-03-24T18:13:16.540" v="882" actId="115"/>
+          <ac:spMkLst>
+            <pc:docMk/>
+            <pc:sldMk cId="2230776592" sldId="256"/>
+            <ac:spMk id="200" creationId="{95237AAE-A4D5-4DAA-BD7B-7B39CE7D3DC4}"/>
+          </ac:spMkLst>
+        </pc:spChg>
+        <pc:spChg chg="add mod">
+          <ac:chgData name="Tony Banks" userId="001045b5-28bd-408b-a27a-b226e2484c6d" providerId="ADAL" clId="{F360A61D-659E-44B6-B956-67B420493FD7}" dt="2023-03-24T18:10:42.870" v="873" actId="1076"/>
+          <ac:spMkLst>
+            <pc:docMk/>
+            <pc:sldMk cId="2230776592" sldId="256"/>
+            <ac:spMk id="205" creationId="{E55EDD90-04FB-42E9-ABAD-AFBDAB37E6EF}"/>
+          </ac:spMkLst>
+        </pc:spChg>
+        <pc:cxnChg chg="add mod">
+          <ac:chgData name="Tony Banks" userId="001045b5-28bd-408b-a27a-b226e2484c6d" providerId="ADAL" clId="{F360A61D-659E-44B6-B956-67B420493FD7}" dt="2023-03-24T18:08:38.181" v="738" actId="1076"/>
+          <ac:cxnSpMkLst>
+            <pc:docMk/>
+            <pc:sldMk cId="2230776592" sldId="256"/>
+            <ac:cxnSpMk id="3" creationId="{D4B4A24D-EE8A-416B-A53F-1E5BA616482A}"/>
+          </ac:cxnSpMkLst>
+        </pc:cxnChg>
+        <pc:cxnChg chg="add mod">
+          <ac:chgData name="Tony Banks" userId="001045b5-28bd-408b-a27a-b226e2484c6d" providerId="ADAL" clId="{F360A61D-659E-44B6-B956-67B420493FD7}" dt="2023-03-24T18:08:38.181" v="738" actId="1076"/>
+          <ac:cxnSpMkLst>
+            <pc:docMk/>
+            <pc:sldMk cId="2230776592" sldId="256"/>
+            <ac:cxnSpMk id="8" creationId="{6BFD7552-DC6E-449E-9F79-10C9498DF754}"/>
+          </ac:cxnSpMkLst>
+        </pc:cxnChg>
         <pc:cxnChg chg="mod">
-          <ac:chgData name="Tony Banks" userId="001045b5-28bd-408b-a27a-b226e2484c6d" providerId="ADAL" clId="{F360A61D-659E-44B6-B956-67B420493FD7}" dt="2023-03-22T20:27:00.257" v="0" actId="1076"/>
+          <ac:chgData name="Tony Banks" userId="001045b5-28bd-408b-a27a-b226e2484c6d" providerId="ADAL" clId="{F360A61D-659E-44B6-B956-67B420493FD7}" dt="2023-03-24T18:08:38.181" v="738" actId="1076"/>
           <ac:cxnSpMkLst>
             <pc:docMk/>
             <pc:sldMk cId="2230776592" sldId="256"/>
             <ac:cxnSpMk id="9" creationId="{69F4129E-0689-4FF5-9B38-2180F126BCDC}"/>
           </ac:cxnSpMkLst>
         </pc:cxnChg>
+        <pc:cxnChg chg="add mod">
+          <ac:chgData name="Tony Banks" userId="001045b5-28bd-408b-a27a-b226e2484c6d" providerId="ADAL" clId="{F360A61D-659E-44B6-B956-67B420493FD7}" dt="2023-03-24T18:08:38.181" v="738" actId="1076"/>
+          <ac:cxnSpMkLst>
+            <pc:docMk/>
+            <pc:sldMk cId="2230776592" sldId="256"/>
+            <ac:cxnSpMk id="12" creationId="{108863FB-00BF-49A3-9E07-D6E3CAB2056C}"/>
+          </ac:cxnSpMkLst>
+        </pc:cxnChg>
         <pc:cxnChg chg="mod">
-          <ac:chgData name="Tony Banks" userId="001045b5-28bd-408b-a27a-b226e2484c6d" providerId="ADAL" clId="{F360A61D-659E-44B6-B956-67B420493FD7}" dt="2023-03-22T20:27:00.257" v="0" actId="1076"/>
+          <ac:chgData name="Tony Banks" userId="001045b5-28bd-408b-a27a-b226e2484c6d" providerId="ADAL" clId="{F360A61D-659E-44B6-B956-67B420493FD7}" dt="2023-03-24T18:08:38.181" v="738" actId="1076"/>
           <ac:cxnSpMkLst>
             <pc:docMk/>
             <pc:sldMk cId="2230776592" sldId="256"/>
             <ac:cxnSpMk id="14" creationId="{CD663243-4A75-4BF4-B3A7-23C35252BA97}"/>
           </ac:cxnSpMkLst>
         </pc:cxnChg>
+        <pc:cxnChg chg="add mod">
+          <ac:chgData name="Tony Banks" userId="001045b5-28bd-408b-a27a-b226e2484c6d" providerId="ADAL" clId="{F360A61D-659E-44B6-B956-67B420493FD7}" dt="2023-03-24T18:08:38.181" v="738" actId="1076"/>
+          <ac:cxnSpMkLst>
+            <pc:docMk/>
+            <pc:sldMk cId="2230776592" sldId="256"/>
+            <ac:cxnSpMk id="15" creationId="{BC059F38-D0CC-4C61-9476-EAD0060FD0AE}"/>
+          </ac:cxnSpMkLst>
+        </pc:cxnChg>
         <pc:cxnChg chg="mod">
-          <ac:chgData name="Tony Banks" userId="001045b5-28bd-408b-a27a-b226e2484c6d" providerId="ADAL" clId="{F360A61D-659E-44B6-B956-67B420493FD7}" dt="2023-03-22T20:45:49.140" v="136" actId="1076"/>
+          <ac:chgData name="Tony Banks" userId="001045b5-28bd-408b-a27a-b226e2484c6d" providerId="ADAL" clId="{F360A61D-659E-44B6-B956-67B420493FD7}" dt="2023-03-24T18:08:38.181" v="738" actId="1076"/>
           <ac:cxnSpMkLst>
             <pc:docMk/>
             <pc:sldMk cId="2230776592" sldId="256"/>
@@ -323,7 +539,7 @@
           </ac:cxnSpMkLst>
         </pc:cxnChg>
         <pc:cxnChg chg="mod">
-          <ac:chgData name="Tony Banks" userId="001045b5-28bd-408b-a27a-b226e2484c6d" providerId="ADAL" clId="{F360A61D-659E-44B6-B956-67B420493FD7}" dt="2023-03-22T20:45:49.140" v="136" actId="1076"/>
+          <ac:chgData name="Tony Banks" userId="001045b5-28bd-408b-a27a-b226e2484c6d" providerId="ADAL" clId="{F360A61D-659E-44B6-B956-67B420493FD7}" dt="2023-03-24T18:08:38.181" v="738" actId="1076"/>
           <ac:cxnSpMkLst>
             <pc:docMk/>
             <pc:sldMk cId="2230776592" sldId="256"/>
@@ -331,7 +547,7 @@
           </ac:cxnSpMkLst>
         </pc:cxnChg>
         <pc:cxnChg chg="mod">
-          <ac:chgData name="Tony Banks" userId="001045b5-28bd-408b-a27a-b226e2484c6d" providerId="ADAL" clId="{F360A61D-659E-44B6-B956-67B420493FD7}" dt="2023-03-22T20:45:49.140" v="136" actId="1076"/>
+          <ac:chgData name="Tony Banks" userId="001045b5-28bd-408b-a27a-b226e2484c6d" providerId="ADAL" clId="{F360A61D-659E-44B6-B956-67B420493FD7}" dt="2023-03-24T18:08:38.181" v="738" actId="1076"/>
           <ac:cxnSpMkLst>
             <pc:docMk/>
             <pc:sldMk cId="2230776592" sldId="256"/>
@@ -339,7 +555,7 @@
           </ac:cxnSpMkLst>
         </pc:cxnChg>
         <pc:cxnChg chg="mod">
-          <ac:chgData name="Tony Banks" userId="001045b5-28bd-408b-a27a-b226e2484c6d" providerId="ADAL" clId="{F360A61D-659E-44B6-B956-67B420493FD7}" dt="2023-03-22T20:45:43.280" v="133" actId="1076"/>
+          <ac:chgData name="Tony Banks" userId="001045b5-28bd-408b-a27a-b226e2484c6d" providerId="ADAL" clId="{F360A61D-659E-44B6-B956-67B420493FD7}" dt="2023-03-24T18:08:38.181" v="738" actId="1076"/>
           <ac:cxnSpMkLst>
             <pc:docMk/>
             <pc:sldMk cId="2230776592" sldId="256"/>
@@ -347,7 +563,7 @@
           </ac:cxnSpMkLst>
         </pc:cxnChg>
         <pc:cxnChg chg="mod">
-          <ac:chgData name="Tony Banks" userId="001045b5-28bd-408b-a27a-b226e2484c6d" providerId="ADAL" clId="{F360A61D-659E-44B6-B956-67B420493FD7}" dt="2023-03-22T20:45:43.280" v="133" actId="1076"/>
+          <ac:chgData name="Tony Banks" userId="001045b5-28bd-408b-a27a-b226e2484c6d" providerId="ADAL" clId="{F360A61D-659E-44B6-B956-67B420493FD7}" dt="2023-03-24T18:08:38.181" v="738" actId="1076"/>
           <ac:cxnSpMkLst>
             <pc:docMk/>
             <pc:sldMk cId="2230776592" sldId="256"/>
@@ -355,7 +571,7 @@
           </ac:cxnSpMkLst>
         </pc:cxnChg>
         <pc:cxnChg chg="mod">
-          <ac:chgData name="Tony Banks" userId="001045b5-28bd-408b-a27a-b226e2484c6d" providerId="ADAL" clId="{F360A61D-659E-44B6-B956-67B420493FD7}" dt="2023-03-22T20:45:00.445" v="127" actId="1076"/>
+          <ac:chgData name="Tony Banks" userId="001045b5-28bd-408b-a27a-b226e2484c6d" providerId="ADAL" clId="{F360A61D-659E-44B6-B956-67B420493FD7}" dt="2023-03-24T18:08:38.181" v="738" actId="1076"/>
           <ac:cxnSpMkLst>
             <pc:docMk/>
             <pc:sldMk cId="2230776592" sldId="256"/>
@@ -363,7 +579,7 @@
           </ac:cxnSpMkLst>
         </pc:cxnChg>
         <pc:cxnChg chg="mod">
-          <ac:chgData name="Tony Banks" userId="001045b5-28bd-408b-a27a-b226e2484c6d" providerId="ADAL" clId="{F360A61D-659E-44B6-B956-67B420493FD7}" dt="2023-03-22T20:45:00.445" v="127" actId="1076"/>
+          <ac:chgData name="Tony Banks" userId="001045b5-28bd-408b-a27a-b226e2484c6d" providerId="ADAL" clId="{F360A61D-659E-44B6-B956-67B420493FD7}" dt="2023-03-24T18:08:38.181" v="738" actId="1076"/>
           <ac:cxnSpMkLst>
             <pc:docMk/>
             <pc:sldMk cId="2230776592" sldId="256"/>
@@ -371,7 +587,7 @@
           </ac:cxnSpMkLst>
         </pc:cxnChg>
         <pc:cxnChg chg="mod">
-          <ac:chgData name="Tony Banks" userId="001045b5-28bd-408b-a27a-b226e2484c6d" providerId="ADAL" clId="{F360A61D-659E-44B6-B956-67B420493FD7}" dt="2023-03-22T20:45:00.445" v="127" actId="1076"/>
+          <ac:chgData name="Tony Banks" userId="001045b5-28bd-408b-a27a-b226e2484c6d" providerId="ADAL" clId="{F360A61D-659E-44B6-B956-67B420493FD7}" dt="2023-03-24T18:08:38.181" v="738" actId="1076"/>
           <ac:cxnSpMkLst>
             <pc:docMk/>
             <pc:sldMk cId="2230776592" sldId="256"/>
@@ -379,11 +595,43 @@
           </ac:cxnSpMkLst>
         </pc:cxnChg>
         <pc:cxnChg chg="mod">
-          <ac:chgData name="Tony Banks" userId="001045b5-28bd-408b-a27a-b226e2484c6d" providerId="ADAL" clId="{F360A61D-659E-44B6-B956-67B420493FD7}" dt="2023-03-22T20:45:00.445" v="127" actId="1076"/>
+          <ac:chgData name="Tony Banks" userId="001045b5-28bd-408b-a27a-b226e2484c6d" providerId="ADAL" clId="{F360A61D-659E-44B6-B956-67B420493FD7}" dt="2023-03-24T18:08:38.181" v="738" actId="1076"/>
           <ac:cxnSpMkLst>
             <pc:docMk/>
             <pc:sldMk cId="2230776592" sldId="256"/>
             <ac:cxnSpMk id="52" creationId="{2823574E-8217-47FB-B53C-EB1633DDA91A}"/>
+          </ac:cxnSpMkLst>
+        </pc:cxnChg>
+        <pc:cxnChg chg="add mod">
+          <ac:chgData name="Tony Banks" userId="001045b5-28bd-408b-a27a-b226e2484c6d" providerId="ADAL" clId="{F360A61D-659E-44B6-B956-67B420493FD7}" dt="2023-03-24T18:08:38.181" v="738" actId="1076"/>
+          <ac:cxnSpMkLst>
+            <pc:docMk/>
+            <pc:sldMk cId="2230776592" sldId="256"/>
+            <ac:cxnSpMk id="57" creationId="{A33F2056-084F-45F7-971D-3D933D36D4EF}"/>
+          </ac:cxnSpMkLst>
+        </pc:cxnChg>
+        <pc:cxnChg chg="add mod">
+          <ac:chgData name="Tony Banks" userId="001045b5-28bd-408b-a27a-b226e2484c6d" providerId="ADAL" clId="{F360A61D-659E-44B6-B956-67B420493FD7}" dt="2023-03-24T18:08:38.181" v="738" actId="1076"/>
+          <ac:cxnSpMkLst>
+            <pc:docMk/>
+            <pc:sldMk cId="2230776592" sldId="256"/>
+            <ac:cxnSpMk id="59" creationId="{66A892EF-CF8C-458B-BE5D-79D164E54AE7}"/>
+          </ac:cxnSpMkLst>
+        </pc:cxnChg>
+        <pc:cxnChg chg="add mod">
+          <ac:chgData name="Tony Banks" userId="001045b5-28bd-408b-a27a-b226e2484c6d" providerId="ADAL" clId="{F360A61D-659E-44B6-B956-67B420493FD7}" dt="2023-03-24T18:08:38.181" v="738" actId="1076"/>
+          <ac:cxnSpMkLst>
+            <pc:docMk/>
+            <pc:sldMk cId="2230776592" sldId="256"/>
+            <ac:cxnSpMk id="61" creationId="{4C08A118-9D1A-485C-B5A4-081EEA301A33}"/>
+          </ac:cxnSpMkLst>
+        </pc:cxnChg>
+        <pc:cxnChg chg="add mod">
+          <ac:chgData name="Tony Banks" userId="001045b5-28bd-408b-a27a-b226e2484c6d" providerId="ADAL" clId="{F360A61D-659E-44B6-B956-67B420493FD7}" dt="2023-03-24T18:08:38.181" v="738" actId="1076"/>
+          <ac:cxnSpMkLst>
+            <pc:docMk/>
+            <pc:sldMk cId="2230776592" sldId="256"/>
+            <ac:cxnSpMk id="63" creationId="{27025186-F8AF-405F-ACDF-93C5C7616D54}"/>
           </ac:cxnSpMkLst>
         </pc:cxnChg>
         <pc:cxnChg chg="add del mod">
@@ -395,7 +643,7 @@
           </ac:cxnSpMkLst>
         </pc:cxnChg>
         <pc:cxnChg chg="add mod">
-          <ac:chgData name="Tony Banks" userId="001045b5-28bd-408b-a27a-b226e2484c6d" providerId="ADAL" clId="{F360A61D-659E-44B6-B956-67B420493FD7}" dt="2023-03-22T20:46:32.168" v="138" actId="1076"/>
+          <ac:chgData name="Tony Banks" userId="001045b5-28bd-408b-a27a-b226e2484c6d" providerId="ADAL" clId="{F360A61D-659E-44B6-B956-67B420493FD7}" dt="2023-03-24T18:08:38.181" v="738" actId="1076"/>
           <ac:cxnSpMkLst>
             <pc:docMk/>
             <pc:sldMk cId="2230776592" sldId="256"/>
@@ -403,7 +651,7 @@
           </ac:cxnSpMkLst>
         </pc:cxnChg>
         <pc:cxnChg chg="add mod">
-          <ac:chgData name="Tony Banks" userId="001045b5-28bd-408b-a27a-b226e2484c6d" providerId="ADAL" clId="{F360A61D-659E-44B6-B956-67B420493FD7}" dt="2023-03-22T20:46:42.219" v="139" actId="1076"/>
+          <ac:chgData name="Tony Banks" userId="001045b5-28bd-408b-a27a-b226e2484c6d" providerId="ADAL" clId="{F360A61D-659E-44B6-B956-67B420493FD7}" dt="2023-03-24T18:08:38.181" v="738" actId="1076"/>
           <ac:cxnSpMkLst>
             <pc:docMk/>
             <pc:sldMk cId="2230776592" sldId="256"/>
@@ -411,7 +659,7 @@
           </ac:cxnSpMkLst>
         </pc:cxnChg>
         <pc:cxnChg chg="add mod">
-          <ac:chgData name="Tony Banks" userId="001045b5-28bd-408b-a27a-b226e2484c6d" providerId="ADAL" clId="{F360A61D-659E-44B6-B956-67B420493FD7}" dt="2023-03-22T20:46:32.168" v="138" actId="1076"/>
+          <ac:chgData name="Tony Banks" userId="001045b5-28bd-408b-a27a-b226e2484c6d" providerId="ADAL" clId="{F360A61D-659E-44B6-B956-67B420493FD7}" dt="2023-03-24T18:08:38.181" v="738" actId="1076"/>
           <ac:cxnSpMkLst>
             <pc:docMk/>
             <pc:sldMk cId="2230776592" sldId="256"/>
@@ -419,7 +667,7 @@
           </ac:cxnSpMkLst>
         </pc:cxnChg>
         <pc:cxnChg chg="add mod">
-          <ac:chgData name="Tony Banks" userId="001045b5-28bd-408b-a27a-b226e2484c6d" providerId="ADAL" clId="{F360A61D-659E-44B6-B956-67B420493FD7}" dt="2023-03-22T20:46:32.168" v="138" actId="1076"/>
+          <ac:chgData name="Tony Banks" userId="001045b5-28bd-408b-a27a-b226e2484c6d" providerId="ADAL" clId="{F360A61D-659E-44B6-B956-67B420493FD7}" dt="2023-03-24T18:08:38.181" v="738" actId="1076"/>
           <ac:cxnSpMkLst>
             <pc:docMk/>
             <pc:sldMk cId="2230776592" sldId="256"/>
@@ -427,7 +675,7 @@
           </ac:cxnSpMkLst>
         </pc:cxnChg>
         <pc:cxnChg chg="add mod">
-          <ac:chgData name="Tony Banks" userId="001045b5-28bd-408b-a27a-b226e2484c6d" providerId="ADAL" clId="{F360A61D-659E-44B6-B956-67B420493FD7}" dt="2023-03-22T20:46:32.168" v="138" actId="1076"/>
+          <ac:chgData name="Tony Banks" userId="001045b5-28bd-408b-a27a-b226e2484c6d" providerId="ADAL" clId="{F360A61D-659E-44B6-B956-67B420493FD7}" dt="2023-03-24T18:08:38.181" v="738" actId="1076"/>
           <ac:cxnSpMkLst>
             <pc:docMk/>
             <pc:sldMk cId="2230776592" sldId="256"/>
@@ -435,7 +683,7 @@
           </ac:cxnSpMkLst>
         </pc:cxnChg>
         <pc:cxnChg chg="add mod">
-          <ac:chgData name="Tony Banks" userId="001045b5-28bd-408b-a27a-b226e2484c6d" providerId="ADAL" clId="{F360A61D-659E-44B6-B956-67B420493FD7}" dt="2023-03-22T20:46:42.219" v="139" actId="1076"/>
+          <ac:chgData name="Tony Banks" userId="001045b5-28bd-408b-a27a-b226e2484c6d" providerId="ADAL" clId="{F360A61D-659E-44B6-B956-67B420493FD7}" dt="2023-03-24T18:08:38.181" v="738" actId="1076"/>
           <ac:cxnSpMkLst>
             <pc:docMk/>
             <pc:sldMk cId="2230776592" sldId="256"/>
@@ -443,7 +691,7 @@
           </ac:cxnSpMkLst>
         </pc:cxnChg>
         <pc:cxnChg chg="add mod">
-          <ac:chgData name="Tony Banks" userId="001045b5-28bd-408b-a27a-b226e2484c6d" providerId="ADAL" clId="{F360A61D-659E-44B6-B956-67B420493FD7}" dt="2023-03-22T20:46:32.168" v="138" actId="1076"/>
+          <ac:chgData name="Tony Banks" userId="001045b5-28bd-408b-a27a-b226e2484c6d" providerId="ADAL" clId="{F360A61D-659E-44B6-B956-67B420493FD7}" dt="2023-03-24T18:08:38.181" v="738" actId="1076"/>
           <ac:cxnSpMkLst>
             <pc:docMk/>
             <pc:sldMk cId="2230776592" sldId="256"/>
@@ -451,7 +699,7 @@
           </ac:cxnSpMkLst>
         </pc:cxnChg>
         <pc:cxnChg chg="add mod">
-          <ac:chgData name="Tony Banks" userId="001045b5-28bd-408b-a27a-b226e2484c6d" providerId="ADAL" clId="{F360A61D-659E-44B6-B956-67B420493FD7}" dt="2023-03-22T20:46:32.168" v="138" actId="1076"/>
+          <ac:chgData name="Tony Banks" userId="001045b5-28bd-408b-a27a-b226e2484c6d" providerId="ADAL" clId="{F360A61D-659E-44B6-B956-67B420493FD7}" dt="2023-03-24T18:08:38.181" v="738" actId="1076"/>
           <ac:cxnSpMkLst>
             <pc:docMk/>
             <pc:sldMk cId="2230776592" sldId="256"/>
@@ -459,7 +707,7 @@
           </ac:cxnSpMkLst>
         </pc:cxnChg>
         <pc:cxnChg chg="add mod">
-          <ac:chgData name="Tony Banks" userId="001045b5-28bd-408b-a27a-b226e2484c6d" providerId="ADAL" clId="{F360A61D-659E-44B6-B956-67B420493FD7}" dt="2023-03-22T20:46:32.168" v="138" actId="1076"/>
+          <ac:chgData name="Tony Banks" userId="001045b5-28bd-408b-a27a-b226e2484c6d" providerId="ADAL" clId="{F360A61D-659E-44B6-B956-67B420493FD7}" dt="2023-03-24T18:08:38.181" v="738" actId="1076"/>
           <ac:cxnSpMkLst>
             <pc:docMk/>
             <pc:sldMk cId="2230776592" sldId="256"/>
@@ -467,7 +715,7 @@
           </ac:cxnSpMkLst>
         </pc:cxnChg>
         <pc:cxnChg chg="add mod">
-          <ac:chgData name="Tony Banks" userId="001045b5-28bd-408b-a27a-b226e2484c6d" providerId="ADAL" clId="{F360A61D-659E-44B6-B956-67B420493FD7}" dt="2023-03-22T20:46:32.168" v="138" actId="1076"/>
+          <ac:chgData name="Tony Banks" userId="001045b5-28bd-408b-a27a-b226e2484c6d" providerId="ADAL" clId="{F360A61D-659E-44B6-B956-67B420493FD7}" dt="2023-03-24T18:08:38.181" v="738" actId="1076"/>
           <ac:cxnSpMkLst>
             <pc:docMk/>
             <pc:sldMk cId="2230776592" sldId="256"/>
@@ -475,7 +723,15 @@
           </ac:cxnSpMkLst>
         </pc:cxnChg>
         <pc:cxnChg chg="add mod">
-          <ac:chgData name="Tony Banks" userId="001045b5-28bd-408b-a27a-b226e2484c6d" providerId="ADAL" clId="{F360A61D-659E-44B6-B956-67B420493FD7}" dt="2023-03-22T20:45:49.140" v="136" actId="1076"/>
+          <ac:chgData name="Tony Banks" userId="001045b5-28bd-408b-a27a-b226e2484c6d" providerId="ADAL" clId="{F360A61D-659E-44B6-B956-67B420493FD7}" dt="2023-03-24T18:08:38.181" v="738" actId="1076"/>
+          <ac:cxnSpMkLst>
+            <pc:docMk/>
+            <pc:sldMk cId="2230776592" sldId="256"/>
+            <ac:cxnSpMk id="166" creationId="{623F65D0-9B83-48C5-9AB8-C425C200F058}"/>
+          </ac:cxnSpMkLst>
+        </pc:cxnChg>
+        <pc:cxnChg chg="add mod">
+          <ac:chgData name="Tony Banks" userId="001045b5-28bd-408b-a27a-b226e2484c6d" providerId="ADAL" clId="{F360A61D-659E-44B6-B956-67B420493FD7}" dt="2023-03-24T18:08:38.181" v="738" actId="1076"/>
           <ac:cxnSpMkLst>
             <pc:docMk/>
             <pc:sldMk cId="2230776592" sldId="256"/>
@@ -483,7 +739,7 @@
           </ac:cxnSpMkLst>
         </pc:cxnChg>
         <pc:cxnChg chg="add mod">
-          <ac:chgData name="Tony Banks" userId="001045b5-28bd-408b-a27a-b226e2484c6d" providerId="ADAL" clId="{F360A61D-659E-44B6-B956-67B420493FD7}" dt="2023-03-22T20:45:43.280" v="133" actId="1076"/>
+          <ac:chgData name="Tony Banks" userId="001045b5-28bd-408b-a27a-b226e2484c6d" providerId="ADAL" clId="{F360A61D-659E-44B6-B956-67B420493FD7}" dt="2023-03-24T18:08:38.181" v="738" actId="1076"/>
           <ac:cxnSpMkLst>
             <pc:docMk/>
             <pc:sldMk cId="2230776592" sldId="256"/>
@@ -491,7 +747,7 @@
           </ac:cxnSpMkLst>
         </pc:cxnChg>
         <pc:cxnChg chg="add mod">
-          <ac:chgData name="Tony Banks" userId="001045b5-28bd-408b-a27a-b226e2484c6d" providerId="ADAL" clId="{F360A61D-659E-44B6-B956-67B420493FD7}" dt="2023-03-22T20:45:33.073" v="132" actId="1076"/>
+          <ac:chgData name="Tony Banks" userId="001045b5-28bd-408b-a27a-b226e2484c6d" providerId="ADAL" clId="{F360A61D-659E-44B6-B956-67B420493FD7}" dt="2023-03-24T18:08:38.181" v="738" actId="1076"/>
           <ac:cxnSpMkLst>
             <pc:docMk/>
             <pc:sldMk cId="2230776592" sldId="256"/>
@@ -499,7 +755,7 @@
           </ac:cxnSpMkLst>
         </pc:cxnChg>
         <pc:cxnChg chg="add mod">
-          <ac:chgData name="Tony Banks" userId="001045b5-28bd-408b-a27a-b226e2484c6d" providerId="ADAL" clId="{F360A61D-659E-44B6-B956-67B420493FD7}" dt="2023-03-22T20:45:33.073" v="132" actId="1076"/>
+          <ac:chgData name="Tony Banks" userId="001045b5-28bd-408b-a27a-b226e2484c6d" providerId="ADAL" clId="{F360A61D-659E-44B6-B956-67B420493FD7}" dt="2023-03-24T18:08:38.181" v="738" actId="1076"/>
           <ac:cxnSpMkLst>
             <pc:docMk/>
             <pc:sldMk cId="2230776592" sldId="256"/>
@@ -507,7 +763,7 @@
           </ac:cxnSpMkLst>
         </pc:cxnChg>
         <pc:cxnChg chg="add mod">
-          <ac:chgData name="Tony Banks" userId="001045b5-28bd-408b-a27a-b226e2484c6d" providerId="ADAL" clId="{F360A61D-659E-44B6-B956-67B420493FD7}" dt="2023-03-22T20:46:32.168" v="138" actId="1076"/>
+          <ac:chgData name="Tony Banks" userId="001045b5-28bd-408b-a27a-b226e2484c6d" providerId="ADAL" clId="{F360A61D-659E-44B6-B956-67B420493FD7}" dt="2023-03-24T18:08:38.181" v="738" actId="1076"/>
           <ac:cxnSpMkLst>
             <pc:docMk/>
             <pc:sldMk cId="2230776592" sldId="256"/>
@@ -515,7 +771,7 @@
           </ac:cxnSpMkLst>
         </pc:cxnChg>
         <pc:cxnChg chg="add mod">
-          <ac:chgData name="Tony Banks" userId="001045b5-28bd-408b-a27a-b226e2484c6d" providerId="ADAL" clId="{F360A61D-659E-44B6-B956-67B420493FD7}" dt="2023-03-22T20:45:33.073" v="132" actId="1076"/>
+          <ac:chgData name="Tony Banks" userId="001045b5-28bd-408b-a27a-b226e2484c6d" providerId="ADAL" clId="{F360A61D-659E-44B6-B956-67B420493FD7}" dt="2023-03-24T18:08:38.181" v="738" actId="1076"/>
           <ac:cxnSpMkLst>
             <pc:docMk/>
             <pc:sldMk cId="2230776592" sldId="256"/>
@@ -523,7 +779,7 @@
           </ac:cxnSpMkLst>
         </pc:cxnChg>
         <pc:cxnChg chg="add mod">
-          <ac:chgData name="Tony Banks" userId="001045b5-28bd-408b-a27a-b226e2484c6d" providerId="ADAL" clId="{F360A61D-659E-44B6-B956-67B420493FD7}" dt="2023-03-22T20:45:33.073" v="132" actId="1076"/>
+          <ac:chgData name="Tony Banks" userId="001045b5-28bd-408b-a27a-b226e2484c6d" providerId="ADAL" clId="{F360A61D-659E-44B6-B956-67B420493FD7}" dt="2023-03-24T18:08:38.181" v="738" actId="1076"/>
           <ac:cxnSpMkLst>
             <pc:docMk/>
             <pc:sldMk cId="2230776592" sldId="256"/>
@@ -531,7 +787,7 @@
           </ac:cxnSpMkLst>
         </pc:cxnChg>
         <pc:cxnChg chg="add mod">
-          <ac:chgData name="Tony Banks" userId="001045b5-28bd-408b-a27a-b226e2484c6d" providerId="ADAL" clId="{F360A61D-659E-44B6-B956-67B420493FD7}" dt="2023-03-22T20:45:33.073" v="132" actId="1076"/>
+          <ac:chgData name="Tony Banks" userId="001045b5-28bd-408b-a27a-b226e2484c6d" providerId="ADAL" clId="{F360A61D-659E-44B6-B956-67B420493FD7}" dt="2023-03-24T18:08:38.181" v="738" actId="1076"/>
           <ac:cxnSpMkLst>
             <pc:docMk/>
             <pc:sldMk cId="2230776592" sldId="256"/>
@@ -675,7 +931,7 @@
           <a:p>
             <a:fld id="{729248A6-2349-4657-B4DD-7DDC6B93BA34}" type="datetimeFigureOut">
               <a:rPr lang="en-US" smtClean="0"/>
-              <a:t>3/22/2023</a:t>
+              <a:t>3/24/2023</a:t>
             </a:fld>
             <a:endParaRPr lang="en-US"/>
           </a:p>
@@ -845,7 +1101,7 @@
           <a:p>
             <a:fld id="{729248A6-2349-4657-B4DD-7DDC6B93BA34}" type="datetimeFigureOut">
               <a:rPr lang="en-US" smtClean="0"/>
-              <a:t>3/22/2023</a:t>
+              <a:t>3/24/2023</a:t>
             </a:fld>
             <a:endParaRPr lang="en-US"/>
           </a:p>
@@ -1025,7 +1281,7 @@
           <a:p>
             <a:fld id="{729248A6-2349-4657-B4DD-7DDC6B93BA34}" type="datetimeFigureOut">
               <a:rPr lang="en-US" smtClean="0"/>
-              <a:t>3/22/2023</a:t>
+              <a:t>3/24/2023</a:t>
             </a:fld>
             <a:endParaRPr lang="en-US"/>
           </a:p>
@@ -1195,7 +1451,7 @@
           <a:p>
             <a:fld id="{729248A6-2349-4657-B4DD-7DDC6B93BA34}" type="datetimeFigureOut">
               <a:rPr lang="en-US" smtClean="0"/>
-              <a:t>3/22/2023</a:t>
+              <a:t>3/24/2023</a:t>
             </a:fld>
             <a:endParaRPr lang="en-US"/>
           </a:p>
@@ -1441,7 +1697,7 @@
           <a:p>
             <a:fld id="{729248A6-2349-4657-B4DD-7DDC6B93BA34}" type="datetimeFigureOut">
               <a:rPr lang="en-US" smtClean="0"/>
-              <a:t>3/22/2023</a:t>
+              <a:t>3/24/2023</a:t>
             </a:fld>
             <a:endParaRPr lang="en-US"/>
           </a:p>
@@ -1673,7 +1929,7 @@
           <a:p>
             <a:fld id="{729248A6-2349-4657-B4DD-7DDC6B93BA34}" type="datetimeFigureOut">
               <a:rPr lang="en-US" smtClean="0"/>
-              <a:t>3/22/2023</a:t>
+              <a:t>3/24/2023</a:t>
             </a:fld>
             <a:endParaRPr lang="en-US"/>
           </a:p>
@@ -2040,7 +2296,7 @@
           <a:p>
             <a:fld id="{729248A6-2349-4657-B4DD-7DDC6B93BA34}" type="datetimeFigureOut">
               <a:rPr lang="en-US" smtClean="0"/>
-              <a:t>3/22/2023</a:t>
+              <a:t>3/24/2023</a:t>
             </a:fld>
             <a:endParaRPr lang="en-US"/>
           </a:p>
@@ -2158,7 +2414,7 @@
           <a:p>
             <a:fld id="{729248A6-2349-4657-B4DD-7DDC6B93BA34}" type="datetimeFigureOut">
               <a:rPr lang="en-US" smtClean="0"/>
-              <a:t>3/22/2023</a:t>
+              <a:t>3/24/2023</a:t>
             </a:fld>
             <a:endParaRPr lang="en-US"/>
           </a:p>
@@ -2253,7 +2509,7 @@
           <a:p>
             <a:fld id="{729248A6-2349-4657-B4DD-7DDC6B93BA34}" type="datetimeFigureOut">
               <a:rPr lang="en-US" smtClean="0"/>
-              <a:t>3/22/2023</a:t>
+              <a:t>3/24/2023</a:t>
             </a:fld>
             <a:endParaRPr lang="en-US"/>
           </a:p>
@@ -2530,7 +2786,7 @@
           <a:p>
             <a:fld id="{729248A6-2349-4657-B4DD-7DDC6B93BA34}" type="datetimeFigureOut">
               <a:rPr lang="en-US" smtClean="0"/>
-              <a:t>3/22/2023</a:t>
+              <a:t>3/24/2023</a:t>
             </a:fld>
             <a:endParaRPr lang="en-US"/>
           </a:p>
@@ -2787,7 +3043,7 @@
           <a:p>
             <a:fld id="{729248A6-2349-4657-B4DD-7DDC6B93BA34}" type="datetimeFigureOut">
               <a:rPr lang="en-US" smtClean="0"/>
-              <a:t>3/22/2023</a:t>
+              <a:t>3/24/2023</a:t>
             </a:fld>
             <a:endParaRPr lang="en-US"/>
           </a:p>
@@ -3000,7 +3256,7 @@
           <a:p>
             <a:fld id="{729248A6-2349-4657-B4DD-7DDC6B93BA34}" type="datetimeFigureOut">
               <a:rPr lang="en-US" smtClean="0"/>
-              <a:t>3/22/2023</a:t>
+              <a:t>3/24/2023</a:t>
             </a:fld>
             <a:endParaRPr lang="en-US"/>
           </a:p>
@@ -3407,6 +3663,290 @@
       </p:grpSpPr>
       <p:sp>
         <p:nvSpPr>
+          <p:cNvPr id="198" name="Rectangle 197">
+            <a:extLst>
+              <a:ext uri="{FF2B5EF4-FFF2-40B4-BE49-F238E27FC236}">
+                <a16:creationId xmlns:a16="http://schemas.microsoft.com/office/drawing/2014/main" id="{DD8A51DD-62B0-44C4-A3E0-4511FBA8F222}"/>
+              </a:ext>
+            </a:extLst>
+          </p:cNvPr>
+          <p:cNvSpPr/>
+          <p:nvPr/>
+        </p:nvSpPr>
+        <p:spPr>
+          <a:xfrm>
+            <a:off x="12509007" y="1439322"/>
+            <a:ext cx="31172246" cy="1374866"/>
+          </a:xfrm>
+          <a:prstGeom prst="rect">
+            <a:avLst/>
+          </a:prstGeom>
+          <a:solidFill>
+            <a:schemeClr val="accent4">
+              <a:lumMod val="60000"/>
+              <a:lumOff val="40000"/>
+            </a:schemeClr>
+          </a:solidFill>
+          <a:ln w="57150">
+            <a:solidFill>
+              <a:schemeClr val="accent4"/>
+            </a:solidFill>
+          </a:ln>
+        </p:spPr>
+        <p:style>
+          <a:lnRef idx="2">
+            <a:schemeClr val="accent1">
+              <a:shade val="50000"/>
+            </a:schemeClr>
+          </a:lnRef>
+          <a:fillRef idx="1">
+            <a:schemeClr val="accent1"/>
+          </a:fillRef>
+          <a:effectRef idx="0">
+            <a:schemeClr val="accent1"/>
+          </a:effectRef>
+          <a:fontRef idx="minor">
+            <a:schemeClr val="lt1"/>
+          </a:fontRef>
+        </p:style>
+        <p:txBody>
+          <a:bodyPr rtlCol="0" anchor="ctr"/>
+          <a:lstStyle/>
+          <a:p>
+            <a:endParaRPr lang="en-US" b="1" u="sng" dirty="0"/>
+          </a:p>
+        </p:txBody>
+      </p:sp>
+      <p:sp>
+        <p:nvSpPr>
+          <p:cNvPr id="174" name="Rectangle 173">
+            <a:extLst>
+              <a:ext uri="{FF2B5EF4-FFF2-40B4-BE49-F238E27FC236}">
+                <a16:creationId xmlns:a16="http://schemas.microsoft.com/office/drawing/2014/main" id="{5D13F39A-4281-4BC9-BC41-87FBC2FF5C67}"/>
+              </a:ext>
+            </a:extLst>
+          </p:cNvPr>
+          <p:cNvSpPr/>
+          <p:nvPr/>
+        </p:nvSpPr>
+        <p:spPr>
+          <a:xfrm>
+            <a:off x="758241" y="1424802"/>
+            <a:ext cx="11613664" cy="1374865"/>
+          </a:xfrm>
+          <a:prstGeom prst="rect">
+            <a:avLst/>
+          </a:prstGeom>
+          <a:solidFill>
+            <a:schemeClr val="accent4">
+              <a:lumMod val="60000"/>
+              <a:lumOff val="40000"/>
+            </a:schemeClr>
+          </a:solidFill>
+          <a:ln w="57150">
+            <a:solidFill>
+              <a:schemeClr val="accent4"/>
+            </a:solidFill>
+          </a:ln>
+        </p:spPr>
+        <p:style>
+          <a:lnRef idx="2">
+            <a:schemeClr val="accent1">
+              <a:shade val="50000"/>
+            </a:schemeClr>
+          </a:lnRef>
+          <a:fillRef idx="1">
+            <a:schemeClr val="accent1"/>
+          </a:fillRef>
+          <a:effectRef idx="0">
+            <a:schemeClr val="accent1"/>
+          </a:effectRef>
+          <a:fontRef idx="minor">
+            <a:schemeClr val="lt1"/>
+          </a:fontRef>
+        </p:style>
+        <p:txBody>
+          <a:bodyPr rtlCol="0" anchor="ctr"/>
+          <a:lstStyle/>
+          <a:p>
+            <a:endParaRPr lang="en-US" b="1" u="sng" dirty="0"/>
+          </a:p>
+        </p:txBody>
+      </p:sp>
+      <p:sp>
+        <p:nvSpPr>
+          <p:cNvPr id="164" name="Rectangle 163">
+            <a:extLst>
+              <a:ext uri="{FF2B5EF4-FFF2-40B4-BE49-F238E27FC236}">
+                <a16:creationId xmlns:a16="http://schemas.microsoft.com/office/drawing/2014/main" id="{7450B3B3-CF84-4846-ABDB-0320494329BA}"/>
+              </a:ext>
+            </a:extLst>
+          </p:cNvPr>
+          <p:cNvSpPr/>
+          <p:nvPr/>
+        </p:nvSpPr>
+        <p:spPr>
+          <a:xfrm>
+            <a:off x="758241" y="15043954"/>
+            <a:ext cx="29856953" cy="6840921"/>
+          </a:xfrm>
+          <a:prstGeom prst="rect">
+            <a:avLst/>
+          </a:prstGeom>
+          <a:solidFill>
+            <a:schemeClr val="tx2">
+              <a:lumMod val="40000"/>
+              <a:lumOff val="60000"/>
+            </a:schemeClr>
+          </a:solidFill>
+          <a:ln w="57150">
+            <a:solidFill>
+              <a:srgbClr val="0070C0"/>
+            </a:solidFill>
+          </a:ln>
+        </p:spPr>
+        <p:style>
+          <a:lnRef idx="2">
+            <a:schemeClr val="accent1">
+              <a:shade val="50000"/>
+            </a:schemeClr>
+          </a:lnRef>
+          <a:fillRef idx="1">
+            <a:schemeClr val="accent1"/>
+          </a:fillRef>
+          <a:effectRef idx="0">
+            <a:schemeClr val="accent1"/>
+          </a:effectRef>
+          <a:fontRef idx="minor">
+            <a:schemeClr val="lt1"/>
+          </a:fontRef>
+        </p:style>
+        <p:txBody>
+          <a:bodyPr rtlCol="0" anchor="ctr"/>
+          <a:lstStyle/>
+          <a:p>
+            <a:pPr algn="ctr"/>
+            <a:endParaRPr lang="en-US" dirty="0"/>
+          </a:p>
+        </p:txBody>
+      </p:sp>
+      <p:sp>
+        <p:nvSpPr>
+          <p:cNvPr id="162" name="Rectangle 161">
+            <a:extLst>
+              <a:ext uri="{FF2B5EF4-FFF2-40B4-BE49-F238E27FC236}">
+                <a16:creationId xmlns:a16="http://schemas.microsoft.com/office/drawing/2014/main" id="{6AADE331-CEB7-4259-A59B-A182E62E4E64}"/>
+              </a:ext>
+            </a:extLst>
+          </p:cNvPr>
+          <p:cNvSpPr/>
+          <p:nvPr/>
+        </p:nvSpPr>
+        <p:spPr>
+          <a:xfrm flipH="1" flipV="1">
+            <a:off x="758241" y="2916220"/>
+            <a:ext cx="19431058" cy="12034870"/>
+          </a:xfrm>
+          <a:prstGeom prst="rect">
+            <a:avLst/>
+          </a:prstGeom>
+          <a:solidFill>
+            <a:schemeClr val="bg1">
+              <a:lumMod val="75000"/>
+            </a:schemeClr>
+          </a:solidFill>
+          <a:ln w="57150">
+            <a:solidFill>
+              <a:schemeClr val="bg1">
+                <a:lumMod val="50000"/>
+              </a:schemeClr>
+            </a:solidFill>
+          </a:ln>
+        </p:spPr>
+        <p:style>
+          <a:lnRef idx="2">
+            <a:schemeClr val="accent1">
+              <a:shade val="50000"/>
+            </a:schemeClr>
+          </a:lnRef>
+          <a:fillRef idx="1">
+            <a:schemeClr val="accent1"/>
+          </a:fillRef>
+          <a:effectRef idx="0">
+            <a:schemeClr val="accent1"/>
+          </a:effectRef>
+          <a:fontRef idx="minor">
+            <a:schemeClr val="lt1"/>
+          </a:fontRef>
+        </p:style>
+        <p:txBody>
+          <a:bodyPr rtlCol="0" anchor="ctr"/>
+          <a:lstStyle/>
+          <a:p>
+            <a:pPr algn="ctr"/>
+            <a:endParaRPr lang="en-US" dirty="0"/>
+          </a:p>
+        </p:txBody>
+      </p:sp>
+      <p:sp>
+        <p:nvSpPr>
+          <p:cNvPr id="163" name="Rectangle 162">
+            <a:extLst>
+              <a:ext uri="{FF2B5EF4-FFF2-40B4-BE49-F238E27FC236}">
+                <a16:creationId xmlns:a16="http://schemas.microsoft.com/office/drawing/2014/main" id="{54F17B97-5431-4288-841C-00DC5BA4795F}"/>
+              </a:ext>
+            </a:extLst>
+          </p:cNvPr>
+          <p:cNvSpPr/>
+          <p:nvPr/>
+        </p:nvSpPr>
+        <p:spPr>
+          <a:xfrm>
+            <a:off x="20289673" y="2916219"/>
+            <a:ext cx="23391575" cy="12034869"/>
+          </a:xfrm>
+          <a:prstGeom prst="rect">
+            <a:avLst/>
+          </a:prstGeom>
+          <a:solidFill>
+            <a:schemeClr val="accent2">
+              <a:lumMod val="60000"/>
+              <a:lumOff val="40000"/>
+            </a:schemeClr>
+          </a:solidFill>
+          <a:ln w="57150">
+            <a:solidFill>
+              <a:schemeClr val="accent2"/>
+            </a:solidFill>
+          </a:ln>
+        </p:spPr>
+        <p:style>
+          <a:lnRef idx="2">
+            <a:schemeClr val="accent1">
+              <a:shade val="50000"/>
+            </a:schemeClr>
+          </a:lnRef>
+          <a:fillRef idx="1">
+            <a:schemeClr val="accent1"/>
+          </a:fillRef>
+          <a:effectRef idx="0">
+            <a:schemeClr val="accent1"/>
+          </a:effectRef>
+          <a:fontRef idx="minor">
+            <a:schemeClr val="lt1"/>
+          </a:fontRef>
+        </p:style>
+        <p:txBody>
+          <a:bodyPr rtlCol="0" anchor="ctr"/>
+          <a:lstStyle/>
+          <a:p>
+            <a:pPr algn="ctr"/>
+            <a:endParaRPr lang="en-US"/>
+          </a:p>
+        </p:txBody>
+      </p:sp>
+      <p:sp>
+        <p:nvSpPr>
           <p:cNvPr id="4" name="TextBox 3">
             <a:extLst>
               <a:ext uri="{FF2B5EF4-FFF2-40B4-BE49-F238E27FC236}">
@@ -3419,100 +3959,8 @@
         </p:nvSpPr>
         <p:spPr>
           <a:xfrm>
-            <a:off x="35159117" y="6101692"/>
+            <a:off x="37474859" y="8457485"/>
             <a:ext cx="4305300" cy="369332"/>
-          </a:xfrm>
-          <a:prstGeom prst="rect">
-            <a:avLst/>
-          </a:prstGeom>
-          <a:noFill/>
-          <a:ln w="28575">
-            <a:solidFill>
-              <a:schemeClr val="tx1"/>
-            </a:solidFill>
-          </a:ln>
-        </p:spPr>
-        <p:txBody>
-          <a:bodyPr wrap="square" rtlCol="0">
-            <a:spAutoFit/>
-          </a:bodyPr>
-          <a:lstStyle/>
-          <a:p>
-            <a:pPr algn="ctr"/>
-            <a:r>
-              <a:rPr lang="en-US" dirty="0"/>
-              <a:t>A-</a:t>
-            </a:r>
-            <a:r>
-              <a:rPr lang="en-US" dirty="0" err="1"/>
-              <a:t>CREATE_analyst_convert_to_AmDenv.sql</a:t>
-            </a:r>
-            <a:endParaRPr lang="en-US" dirty="0"/>
-          </a:p>
-        </p:txBody>
-      </p:sp>
-      <p:sp>
-        <p:nvSpPr>
-          <p:cNvPr id="6" name="TextBox 5">
-            <a:extLst>
-              <a:ext uri="{FF2B5EF4-FFF2-40B4-BE49-F238E27FC236}">
-                <a16:creationId xmlns:a16="http://schemas.microsoft.com/office/drawing/2014/main" id="{93A75003-E1D0-49C7-B87D-F66E535F5EAB}"/>
-              </a:ext>
-            </a:extLst>
-          </p:cNvPr>
-          <p:cNvSpPr txBox="1"/>
-          <p:nvPr/>
-        </p:nvSpPr>
-        <p:spPr>
-          <a:xfrm>
-            <a:off x="4031226" y="2420900"/>
-            <a:ext cx="4533900" cy="369332"/>
-          </a:xfrm>
-          <a:prstGeom prst="rect">
-            <a:avLst/>
-          </a:prstGeom>
-          <a:noFill/>
-          <a:ln w="28575">
-            <a:solidFill>
-              <a:schemeClr val="tx1"/>
-            </a:solidFill>
-          </a:ln>
-        </p:spPr>
-        <p:txBody>
-          <a:bodyPr wrap="square" rtlCol="0">
-            <a:spAutoFit/>
-          </a:bodyPr>
-          <a:lstStyle/>
-          <a:p>
-            <a:pPr lvl="0" algn="ctr"/>
-            <a:r>
-              <a:rPr lang="en-US" dirty="0"/>
-              <a:t>B-</a:t>
-            </a:r>
-            <a:r>
-              <a:rPr lang="en-US" dirty="0" err="1"/>
-              <a:t>Loading_EHR_data_into_SQL_database.R</a:t>
-            </a:r>
-            <a:endParaRPr lang="en-US" dirty="0"/>
-          </a:p>
-        </p:txBody>
-      </p:sp>
-      <p:sp>
-        <p:nvSpPr>
-          <p:cNvPr id="7" name="TextBox 6">
-            <a:extLst>
-              <a:ext uri="{FF2B5EF4-FFF2-40B4-BE49-F238E27FC236}">
-                <a16:creationId xmlns:a16="http://schemas.microsoft.com/office/drawing/2014/main" id="{0E0FA96A-9DE4-4F97-BBBD-86BA6F487C8B}"/>
-              </a:ext>
-            </a:extLst>
-          </p:cNvPr>
-          <p:cNvSpPr txBox="1"/>
-          <p:nvPr/>
-        </p:nvSpPr>
-        <p:spPr>
-          <a:xfrm>
-            <a:off x="4031226" y="935000"/>
-            <a:ext cx="4533900" cy="369332"/>
           </a:xfrm>
           <a:prstGeom prst="rect">
             <a:avLst/>
@@ -3537,8 +3985,111 @@
           <a:p>
             <a:pPr algn="ctr"/>
             <a:r>
+              <a:rPr lang="en-US" dirty="0"/>
+              <a:t>A-</a:t>
+            </a:r>
+            <a:r>
+              <a:rPr lang="en-US" dirty="0" err="1"/>
+              <a:t>CREATE_analyst_convert_to_AmDenv.sql</a:t>
+            </a:r>
+            <a:endParaRPr lang="en-US" dirty="0"/>
+          </a:p>
+        </p:txBody>
+      </p:sp>
+      <p:sp>
+        <p:nvSpPr>
+          <p:cNvPr id="6" name="TextBox 5">
+            <a:extLst>
+              <a:ext uri="{FF2B5EF4-FFF2-40B4-BE49-F238E27FC236}">
+                <a16:creationId xmlns:a16="http://schemas.microsoft.com/office/drawing/2014/main" id="{93A75003-E1D0-49C7-B87D-F66E535F5EAB}"/>
+              </a:ext>
+            </a:extLst>
+          </p:cNvPr>
+          <p:cNvSpPr txBox="1"/>
+          <p:nvPr/>
+        </p:nvSpPr>
+        <p:spPr>
+          <a:xfrm>
+            <a:off x="7036204" y="3556055"/>
+            <a:ext cx="4533900" cy="369332"/>
+          </a:xfrm>
+          <a:prstGeom prst="rect">
+            <a:avLst/>
+          </a:prstGeom>
+          <a:solidFill>
+            <a:schemeClr val="bg1">
+              <a:lumMod val="85000"/>
+            </a:schemeClr>
+          </a:solidFill>
+          <a:ln w="28575">
+            <a:solidFill>
+              <a:schemeClr val="bg1">
+                <a:lumMod val="50000"/>
+              </a:schemeClr>
+            </a:solidFill>
+          </a:ln>
+        </p:spPr>
+        <p:txBody>
+          <a:bodyPr wrap="square" rtlCol="0">
+            <a:spAutoFit/>
+          </a:bodyPr>
+          <a:lstStyle/>
+          <a:p>
+            <a:pPr lvl="0" algn="ctr"/>
+            <a:r>
+              <a:rPr lang="en-US" dirty="0"/>
+              <a:t>B-</a:t>
+            </a:r>
+            <a:r>
+              <a:rPr lang="en-US" dirty="0" err="1"/>
+              <a:t>Loading_EHR_data_into_SQL_database.R</a:t>
+            </a:r>
+            <a:endParaRPr lang="en-US" dirty="0"/>
+          </a:p>
+        </p:txBody>
+      </p:sp>
+      <p:sp>
+        <p:nvSpPr>
+          <p:cNvPr id="7" name="TextBox 6">
+            <a:extLst>
+              <a:ext uri="{FF2B5EF4-FFF2-40B4-BE49-F238E27FC236}">
+                <a16:creationId xmlns:a16="http://schemas.microsoft.com/office/drawing/2014/main" id="{0E0FA96A-9DE4-4F97-BBBD-86BA6F487C8B}"/>
+              </a:ext>
+            </a:extLst>
+          </p:cNvPr>
+          <p:cNvSpPr txBox="1"/>
+          <p:nvPr/>
+        </p:nvSpPr>
+        <p:spPr>
+          <a:xfrm>
+            <a:off x="7036204" y="1885178"/>
+            <a:ext cx="4533900" cy="369332"/>
+          </a:xfrm>
+          <a:prstGeom prst="rect">
+            <a:avLst/>
+          </a:prstGeom>
+          <a:solidFill>
+            <a:schemeClr val="accent4">
+              <a:lumMod val="40000"/>
+              <a:lumOff val="60000"/>
+            </a:schemeClr>
+          </a:solidFill>
+          <a:ln w="28575">
+            <a:solidFill>
+              <a:schemeClr val="accent4"/>
+            </a:solidFill>
+          </a:ln>
+        </p:spPr>
+        <p:txBody>
+          <a:bodyPr wrap="square" rtlCol="0">
+            <a:spAutoFit/>
+          </a:bodyPr>
+          <a:lstStyle/>
+          <a:p>
+            <a:pPr algn="ctr"/>
+            <a:r>
               <a:rPr lang="en-US" i="1" dirty="0"/>
-              <a:t>EHR Data Pull / Box folder</a:t>
+              <a:t>Raw EHR Data</a:t>
             </a:r>
             <a:endParaRPr lang="en-US" dirty="0"/>
           </a:p>
@@ -3562,8 +4113,8 @@
         </p:nvCxnSpPr>
         <p:spPr>
           <a:xfrm>
-            <a:off x="6298176" y="1304332"/>
-            <a:ext cx="0" cy="1116568"/>
+            <a:off x="9303154" y="2254510"/>
+            <a:ext cx="0" cy="1301545"/>
           </a:xfrm>
           <a:prstGeom prst="straightConnector1">
             <a:avLst/>
@@ -3604,16 +4155,22 @@
         </p:nvSpPr>
         <p:spPr>
           <a:xfrm>
-            <a:off x="11115444" y="3320538"/>
+            <a:off x="13104838" y="5914913"/>
             <a:ext cx="4533900" cy="369332"/>
           </a:xfrm>
           <a:prstGeom prst="rect">
             <a:avLst/>
           </a:prstGeom>
-          <a:noFill/>
+          <a:solidFill>
+            <a:schemeClr val="bg1">
+              <a:lumMod val="85000"/>
+            </a:schemeClr>
+          </a:solidFill>
           <a:ln w="28575">
             <a:solidFill>
-              <a:schemeClr val="tx1"/>
+              <a:schemeClr val="bg1">
+                <a:lumMod val="50000"/>
+              </a:schemeClr>
             </a:solidFill>
           </a:ln>
         </p:spPr>
@@ -3654,8 +4211,8 @@
         </p:nvCxnSpPr>
         <p:spPr>
           <a:xfrm>
-            <a:off x="6298176" y="2790232"/>
-            <a:ext cx="7084218" cy="530306"/>
+            <a:off x="9303154" y="3925387"/>
+            <a:ext cx="6068634" cy="1989526"/>
           </a:xfrm>
           <a:prstGeom prst="straightConnector1">
             <a:avLst/>
@@ -3696,16 +4253,22 @@
         </p:nvSpPr>
         <p:spPr>
           <a:xfrm>
-            <a:off x="13382394" y="7782179"/>
+            <a:off x="15400192" y="12143633"/>
             <a:ext cx="4533900" cy="369332"/>
           </a:xfrm>
           <a:prstGeom prst="rect">
             <a:avLst/>
           </a:prstGeom>
-          <a:noFill/>
+          <a:solidFill>
+            <a:schemeClr val="bg1">
+              <a:lumMod val="85000"/>
+            </a:schemeClr>
+          </a:solidFill>
           <a:ln w="28575">
             <a:solidFill>
-              <a:schemeClr val="tx1"/>
+              <a:schemeClr val="bg1">
+                <a:lumMod val="50000"/>
+              </a:schemeClr>
             </a:solidFill>
           </a:ln>
         </p:spPr>
@@ -3745,8 +4308,8 @@
         </p:nvCxnSpPr>
         <p:spPr>
           <a:xfrm>
-            <a:off x="13382394" y="3689870"/>
-            <a:ext cx="2266950" cy="4092309"/>
+            <a:off x="15371788" y="6284245"/>
+            <a:ext cx="2295354" cy="5859388"/>
           </a:xfrm>
           <a:prstGeom prst="straightConnector1">
             <a:avLst/>
@@ -3787,16 +4350,22 @@
         </p:nvSpPr>
         <p:spPr>
           <a:xfrm>
-            <a:off x="10596034" y="9000783"/>
+            <a:off x="12585428" y="13947634"/>
             <a:ext cx="4533900" cy="369332"/>
           </a:xfrm>
           <a:prstGeom prst="rect">
             <a:avLst/>
           </a:prstGeom>
-          <a:noFill/>
+          <a:solidFill>
+            <a:schemeClr val="bg1">
+              <a:lumMod val="85000"/>
+            </a:schemeClr>
+          </a:solidFill>
           <a:ln w="28575">
             <a:solidFill>
-              <a:schemeClr val="tx1"/>
+              <a:schemeClr val="bg1">
+                <a:lumMod val="50000"/>
+              </a:schemeClr>
             </a:solidFill>
           </a:ln>
         </p:spPr>
@@ -3836,8 +4405,8 @@
         </p:nvCxnSpPr>
         <p:spPr>
           <a:xfrm>
-            <a:off x="6298176" y="2790232"/>
-            <a:ext cx="9351168" cy="4991947"/>
+            <a:off x="9303154" y="3925387"/>
+            <a:ext cx="8363988" cy="8218246"/>
           </a:xfrm>
           <a:prstGeom prst="straightConnector1">
             <a:avLst/>
@@ -3874,6 +4443,7 @@
             </a:extLst>
           </p:cNvPr>
           <p:cNvCxnSpPr>
+            <a:cxnSpLocks/>
             <a:stCxn id="18" idx="2"/>
             <a:endCxn id="22" idx="0"/>
           </p:cNvCxnSpPr>
@@ -3881,8 +4451,8 @@
         </p:nvCxnSpPr>
         <p:spPr>
           <a:xfrm flipH="1">
-            <a:off x="12862984" y="8151511"/>
-            <a:ext cx="2786360" cy="849272"/>
+            <a:off x="14852378" y="12512965"/>
+            <a:ext cx="2814764" cy="1434669"/>
           </a:xfrm>
           <a:prstGeom prst="straightConnector1">
             <a:avLst/>
@@ -3926,8 +4496,8 @@
         </p:nvCxnSpPr>
         <p:spPr>
           <a:xfrm>
-            <a:off x="6298176" y="2790232"/>
-            <a:ext cx="6564808" cy="6210551"/>
+            <a:off x="9303154" y="3925387"/>
+            <a:ext cx="5549224" cy="10022247"/>
           </a:xfrm>
           <a:prstGeom prst="straightConnector1">
             <a:avLst/>
@@ -3971,8 +4541,8 @@
         </p:nvCxnSpPr>
         <p:spPr>
           <a:xfrm flipH="1">
-            <a:off x="12862984" y="3689870"/>
-            <a:ext cx="519410" cy="5310913"/>
+            <a:off x="14852378" y="6284245"/>
+            <a:ext cx="519410" cy="7663389"/>
           </a:xfrm>
           <a:prstGeom prst="straightConnector1">
             <a:avLst/>
@@ -4013,16 +4583,22 @@
         </p:nvSpPr>
         <p:spPr>
           <a:xfrm>
-            <a:off x="180513" y="8983405"/>
+            <a:off x="2169907" y="13930256"/>
             <a:ext cx="4533900" cy="369332"/>
           </a:xfrm>
           <a:prstGeom prst="rect">
             <a:avLst/>
           </a:prstGeom>
-          <a:noFill/>
+          <a:solidFill>
+            <a:schemeClr val="bg1">
+              <a:lumMod val="85000"/>
+            </a:schemeClr>
+          </a:solidFill>
           <a:ln w="28575">
             <a:solidFill>
-              <a:schemeClr val="tx1"/>
+              <a:schemeClr val="bg1">
+                <a:lumMod val="50000"/>
+              </a:schemeClr>
             </a:solidFill>
           </a:ln>
         </p:spPr>
@@ -4062,8 +4638,8 @@
         </p:nvCxnSpPr>
         <p:spPr>
           <a:xfrm flipH="1">
-            <a:off x="2447463" y="2790232"/>
-            <a:ext cx="3850713" cy="6193173"/>
+            <a:off x="4436857" y="3925387"/>
+            <a:ext cx="4866297" cy="10004869"/>
           </a:xfrm>
           <a:prstGeom prst="straightConnector1">
             <a:avLst/>
@@ -4107,8 +4683,8 @@
         </p:nvCxnSpPr>
         <p:spPr>
           <a:xfrm flipH="1">
-            <a:off x="2447463" y="3689870"/>
-            <a:ext cx="10934931" cy="5293535"/>
+            <a:off x="4436857" y="6284245"/>
+            <a:ext cx="10934931" cy="7646011"/>
           </a:xfrm>
           <a:prstGeom prst="straightConnector1">
             <a:avLst/>
@@ -4149,16 +4725,22 @@
         </p:nvSpPr>
         <p:spPr>
           <a:xfrm>
-            <a:off x="5617808" y="8983405"/>
+            <a:off x="7607202" y="13930256"/>
             <a:ext cx="4533900" cy="369332"/>
           </a:xfrm>
           <a:prstGeom prst="rect">
             <a:avLst/>
           </a:prstGeom>
-          <a:noFill/>
+          <a:solidFill>
+            <a:schemeClr val="bg1">
+              <a:lumMod val="85000"/>
+            </a:schemeClr>
+          </a:solidFill>
           <a:ln w="28575">
             <a:solidFill>
-              <a:schemeClr val="tx1"/>
+              <a:schemeClr val="bg1">
+                <a:lumMod val="50000"/>
+              </a:schemeClr>
             </a:solidFill>
           </a:ln>
         </p:spPr>
@@ -4199,8 +4781,8 @@
         </p:nvCxnSpPr>
         <p:spPr>
           <a:xfrm flipH="1">
-            <a:off x="7884758" y="3689870"/>
-            <a:ext cx="5497636" cy="5293535"/>
+            <a:off x="9874152" y="6284245"/>
+            <a:ext cx="5497636" cy="7646011"/>
           </a:xfrm>
           <a:prstGeom prst="straightConnector1">
             <a:avLst/>
@@ -4244,8 +4826,8 @@
         </p:nvCxnSpPr>
         <p:spPr>
           <a:xfrm>
-            <a:off x="6298176" y="2790232"/>
-            <a:ext cx="1586582" cy="6193173"/>
+            <a:off x="9303154" y="3925387"/>
+            <a:ext cx="570998" cy="10004869"/>
           </a:xfrm>
           <a:prstGeom prst="straightConnector1">
             <a:avLst/>
@@ -4286,16 +4868,21 @@
         </p:nvSpPr>
         <p:spPr>
           <a:xfrm>
-            <a:off x="29992394" y="6113793"/>
+            <a:off x="32340346" y="8457485"/>
             <a:ext cx="4533900" cy="369332"/>
           </a:xfrm>
           <a:prstGeom prst="rect">
             <a:avLst/>
           </a:prstGeom>
-          <a:noFill/>
+          <a:solidFill>
+            <a:schemeClr val="accent2">
+              <a:lumMod val="40000"/>
+              <a:lumOff val="60000"/>
+            </a:schemeClr>
+          </a:solidFill>
           <a:ln w="28575">
             <a:solidFill>
-              <a:schemeClr val="tx1"/>
+              <a:schemeClr val="accent2"/>
             </a:solidFill>
           </a:ln>
         </p:spPr>
@@ -4332,16 +4919,21 @@
         </p:nvSpPr>
         <p:spPr>
           <a:xfrm>
-            <a:off x="18694922" y="5205515"/>
+            <a:off x="20684316" y="8408189"/>
             <a:ext cx="4783434" cy="369332"/>
           </a:xfrm>
           <a:prstGeom prst="rect">
             <a:avLst/>
           </a:prstGeom>
-          <a:noFill/>
+          <a:solidFill>
+            <a:schemeClr val="accent2">
+              <a:lumMod val="40000"/>
+              <a:lumOff val="60000"/>
+            </a:schemeClr>
+          </a:solidFill>
           <a:ln w="28575">
             <a:solidFill>
-              <a:schemeClr val="tx1"/>
+              <a:schemeClr val="accent2"/>
             </a:solidFill>
           </a:ln>
         </p:spPr>
@@ -4378,16 +4970,21 @@
         </p:nvSpPr>
         <p:spPr>
           <a:xfrm>
-            <a:off x="18694922" y="6101692"/>
+            <a:off x="20686548" y="9851788"/>
             <a:ext cx="4783434" cy="369332"/>
           </a:xfrm>
           <a:prstGeom prst="rect">
             <a:avLst/>
           </a:prstGeom>
-          <a:noFill/>
+          <a:solidFill>
+            <a:schemeClr val="accent2">
+              <a:lumMod val="40000"/>
+              <a:lumOff val="60000"/>
+            </a:schemeClr>
+          </a:solidFill>
           <a:ln w="28575">
             <a:solidFill>
-              <a:schemeClr val="tx1"/>
+              <a:schemeClr val="accent2"/>
             </a:solidFill>
           </a:ln>
         </p:spPr>
@@ -4428,8 +5025,8 @@
         </p:nvCxnSpPr>
         <p:spPr>
           <a:xfrm>
-            <a:off x="21086639" y="5574847"/>
-            <a:ext cx="0" cy="526845"/>
+            <a:off x="23076033" y="8777521"/>
+            <a:ext cx="2232" cy="1074267"/>
           </a:xfrm>
           <a:prstGeom prst="straightConnector1">
             <a:avLst/>
@@ -4470,16 +5067,21 @@
         </p:nvSpPr>
         <p:spPr>
           <a:xfrm>
-            <a:off x="18694922" y="6947639"/>
+            <a:off x="20708208" y="11124460"/>
             <a:ext cx="4783434" cy="369332"/>
           </a:xfrm>
           <a:prstGeom prst="rect">
             <a:avLst/>
           </a:prstGeom>
-          <a:noFill/>
+          <a:solidFill>
+            <a:schemeClr val="accent2">
+              <a:lumMod val="40000"/>
+              <a:lumOff val="60000"/>
+            </a:schemeClr>
+          </a:solidFill>
           <a:ln w="28575">
             <a:solidFill>
-              <a:schemeClr val="tx1"/>
+              <a:schemeClr val="accent2"/>
             </a:solidFill>
           </a:ln>
         </p:spPr>
@@ -4522,8 +5124,8 @@
         </p:nvCxnSpPr>
         <p:spPr>
           <a:xfrm>
-            <a:off x="21086639" y="6471024"/>
-            <a:ext cx="0" cy="476615"/>
+            <a:off x="23078265" y="10221120"/>
+            <a:ext cx="21660" cy="903340"/>
           </a:xfrm>
           <a:prstGeom prst="straightConnector1">
             <a:avLst/>
@@ -4564,16 +5166,21 @@
         </p:nvSpPr>
         <p:spPr>
           <a:xfrm>
-            <a:off x="24596656" y="5156884"/>
+            <a:off x="26586050" y="8378656"/>
             <a:ext cx="4783434" cy="369332"/>
           </a:xfrm>
           <a:prstGeom prst="rect">
             <a:avLst/>
           </a:prstGeom>
-          <a:noFill/>
+          <a:solidFill>
+            <a:schemeClr val="accent2">
+              <a:lumMod val="40000"/>
+              <a:lumOff val="60000"/>
+            </a:schemeClr>
+          </a:solidFill>
           <a:ln w="28575">
             <a:solidFill>
-              <a:schemeClr val="tx1"/>
+              <a:schemeClr val="accent2"/>
             </a:solidFill>
           </a:ln>
         </p:spPr>
@@ -4614,8 +5221,8 @@
         </p:nvCxnSpPr>
         <p:spPr>
           <a:xfrm>
-            <a:off x="13382394" y="3689870"/>
-            <a:ext cx="13605979" cy="1467014"/>
+            <a:off x="15371788" y="6284245"/>
+            <a:ext cx="13605979" cy="2094411"/>
           </a:xfrm>
           <a:prstGeom prst="straightConnector1">
             <a:avLst/>
@@ -4656,16 +5263,21 @@
         </p:nvSpPr>
         <p:spPr>
           <a:xfrm>
-            <a:off x="24596656" y="6098629"/>
+            <a:off x="26588282" y="9873840"/>
             <a:ext cx="4783434" cy="369332"/>
           </a:xfrm>
           <a:prstGeom prst="rect">
             <a:avLst/>
           </a:prstGeom>
-          <a:noFill/>
+          <a:solidFill>
+            <a:schemeClr val="accent2">
+              <a:lumMod val="40000"/>
+              <a:lumOff val="60000"/>
+            </a:schemeClr>
+          </a:solidFill>
           <a:ln w="28575">
             <a:solidFill>
-              <a:schemeClr val="tx1"/>
+              <a:schemeClr val="accent2"/>
             </a:solidFill>
           </a:ln>
         </p:spPr>
@@ -4702,16 +5314,21 @@
         </p:nvSpPr>
         <p:spPr>
           <a:xfrm>
-            <a:off x="18601001" y="9000783"/>
+            <a:off x="20590395" y="13947634"/>
             <a:ext cx="4971276" cy="369332"/>
           </a:xfrm>
           <a:prstGeom prst="rect">
             <a:avLst/>
           </a:prstGeom>
-          <a:noFill/>
+          <a:solidFill>
+            <a:schemeClr val="accent2">
+              <a:lumMod val="40000"/>
+              <a:lumOff val="60000"/>
+            </a:schemeClr>
+          </a:solidFill>
           <a:ln w="28575">
             <a:solidFill>
-              <a:schemeClr val="tx1"/>
+              <a:schemeClr val="accent2"/>
             </a:solidFill>
           </a:ln>
         </p:spPr>
@@ -4747,8 +5364,8 @@
         </p:nvCxnSpPr>
         <p:spPr>
           <a:xfrm flipH="1">
-            <a:off x="21086639" y="6471024"/>
-            <a:ext cx="16225128" cy="2529759"/>
+            <a:off x="23076033" y="8826817"/>
+            <a:ext cx="16551476" cy="5120817"/>
           </a:xfrm>
           <a:prstGeom prst="straightConnector1">
             <a:avLst/>
@@ -4792,8 +5409,8 @@
         </p:nvCxnSpPr>
         <p:spPr>
           <a:xfrm flipH="1">
-            <a:off x="21086639" y="6483125"/>
-            <a:ext cx="11172705" cy="2517658"/>
+            <a:off x="23076033" y="8826817"/>
+            <a:ext cx="11531263" cy="5120817"/>
           </a:xfrm>
           <a:prstGeom prst="straightConnector1">
             <a:avLst/>
@@ -4836,9 +5453,9 @@
           <p:nvPr/>
         </p:nvCxnSpPr>
         <p:spPr>
-          <a:xfrm>
-            <a:off x="21086639" y="7316971"/>
-            <a:ext cx="0" cy="1683812"/>
+          <a:xfrm flipH="1">
+            <a:off x="23076033" y="11493792"/>
+            <a:ext cx="23892" cy="2453842"/>
           </a:xfrm>
           <a:prstGeom prst="straightConnector1">
             <a:avLst/>
@@ -4882,8 +5499,8 @@
         </p:nvCxnSpPr>
         <p:spPr>
           <a:xfrm>
-            <a:off x="13382394" y="3689870"/>
-            <a:ext cx="7704245" cy="5310913"/>
+            <a:off x="15371788" y="6284245"/>
+            <a:ext cx="7704245" cy="7663389"/>
           </a:xfrm>
           <a:prstGeom prst="straightConnector1">
             <a:avLst/>
@@ -4927,8 +5544,8 @@
         </p:nvCxnSpPr>
         <p:spPr>
           <a:xfrm flipH="1">
-            <a:off x="21086639" y="6467961"/>
-            <a:ext cx="5901734" cy="2532822"/>
+            <a:off x="23076033" y="10243172"/>
+            <a:ext cx="5903966" cy="3704462"/>
           </a:xfrm>
           <a:prstGeom prst="straightConnector1">
             <a:avLst/>
@@ -4972,8 +5589,8 @@
         </p:nvCxnSpPr>
         <p:spPr>
           <a:xfrm>
-            <a:off x="13382394" y="3689870"/>
-            <a:ext cx="7704245" cy="1515645"/>
+            <a:off x="15371788" y="6284245"/>
+            <a:ext cx="7704245" cy="2123944"/>
           </a:xfrm>
           <a:prstGeom prst="straightConnector1">
             <a:avLst/>
@@ -5017,8 +5634,8 @@
         </p:nvCxnSpPr>
         <p:spPr>
           <a:xfrm>
-            <a:off x="26988373" y="5526216"/>
-            <a:ext cx="0" cy="572413"/>
+            <a:off x="28977767" y="8747988"/>
+            <a:ext cx="2232" cy="1125852"/>
           </a:xfrm>
           <a:prstGeom prst="straightConnector1">
             <a:avLst/>
@@ -5059,16 +5676,21 @@
         </p:nvSpPr>
         <p:spPr>
           <a:xfrm>
-            <a:off x="15167476" y="13764755"/>
+            <a:off x="15371788" y="16543396"/>
             <a:ext cx="4533900" cy="369332"/>
           </a:xfrm>
           <a:prstGeom prst="rect">
             <a:avLst/>
           </a:prstGeom>
-          <a:noFill/>
+          <a:solidFill>
+            <a:schemeClr val="accent1">
+              <a:lumMod val="40000"/>
+              <a:lumOff val="60000"/>
+            </a:schemeClr>
+          </a:solidFill>
           <a:ln w="28575">
             <a:solidFill>
-              <a:schemeClr val="tx1"/>
+              <a:schemeClr val="accent1"/>
             </a:solidFill>
           </a:ln>
         </p:spPr>
@@ -5101,15 +5723,16 @@
             </a:extLst>
           </p:cNvPr>
           <p:cNvCxnSpPr>
+            <a:cxnSpLocks/>
             <a:stCxn id="18" idx="2"/>
             <a:endCxn id="179" idx="0"/>
           </p:cNvCxnSpPr>
           <p:nvPr/>
         </p:nvCxnSpPr>
         <p:spPr>
-          <a:xfrm>
-            <a:off x="15649344" y="8151511"/>
-            <a:ext cx="1785082" cy="5613244"/>
+          <a:xfrm flipH="1">
+            <a:off x="17638738" y="12512965"/>
+            <a:ext cx="28404" cy="4030431"/>
           </a:xfrm>
           <a:prstGeom prst="straightConnector1">
             <a:avLst/>
@@ -5153,8 +5776,8 @@
         </p:nvCxnSpPr>
         <p:spPr>
           <a:xfrm>
-            <a:off x="12862984" y="9370115"/>
-            <a:ext cx="4571442" cy="4394640"/>
+            <a:off x="14852378" y="14316966"/>
+            <a:ext cx="2786360" cy="2226430"/>
           </a:xfrm>
           <a:prstGeom prst="straightConnector1">
             <a:avLst/>
@@ -5198,8 +5821,8 @@
         </p:nvCxnSpPr>
         <p:spPr>
           <a:xfrm>
-            <a:off x="2447463" y="9352737"/>
-            <a:ext cx="14986963" cy="4412018"/>
+            <a:off x="4436857" y="14299588"/>
+            <a:ext cx="13201881" cy="2243808"/>
           </a:xfrm>
           <a:prstGeom prst="straightConnector1">
             <a:avLst/>
@@ -5243,8 +5866,8 @@
         </p:nvCxnSpPr>
         <p:spPr>
           <a:xfrm>
-            <a:off x="7884758" y="9352737"/>
-            <a:ext cx="9549668" cy="4412018"/>
+            <a:off x="9874152" y="14299588"/>
+            <a:ext cx="7764586" cy="2243808"/>
           </a:xfrm>
           <a:prstGeom prst="straightConnector1">
             <a:avLst/>
@@ -5288,8 +5911,8 @@
         </p:nvCxnSpPr>
         <p:spPr>
           <a:xfrm flipH="1">
-            <a:off x="17434426" y="9370115"/>
-            <a:ext cx="3652213" cy="4394640"/>
+            <a:off x="17638738" y="14316966"/>
+            <a:ext cx="5437295" cy="2226430"/>
           </a:xfrm>
           <a:prstGeom prst="straightConnector1">
             <a:avLst/>
@@ -5330,16 +5953,21 @@
         </p:nvSpPr>
         <p:spPr>
           <a:xfrm>
-            <a:off x="17895498" y="15137547"/>
+            <a:off x="18099810" y="17916188"/>
             <a:ext cx="4533900" cy="369332"/>
           </a:xfrm>
           <a:prstGeom prst="rect">
             <a:avLst/>
           </a:prstGeom>
-          <a:noFill/>
+          <a:solidFill>
+            <a:schemeClr val="accent1">
+              <a:lumMod val="40000"/>
+              <a:lumOff val="60000"/>
+            </a:schemeClr>
+          </a:solidFill>
           <a:ln w="28575">
             <a:solidFill>
-              <a:schemeClr val="tx1"/>
+              <a:schemeClr val="accent1"/>
             </a:solidFill>
           </a:ln>
         </p:spPr>
@@ -5379,7 +6007,7 @@
         </p:nvCxnSpPr>
         <p:spPr>
           <a:xfrm>
-            <a:off x="17434426" y="14134087"/>
+            <a:off x="17638738" y="16912728"/>
             <a:ext cx="2728022" cy="1003460"/>
           </a:xfrm>
           <a:prstGeom prst="straightConnector1">
@@ -5421,16 +6049,21 @@
         </p:nvSpPr>
         <p:spPr>
           <a:xfrm>
-            <a:off x="15167476" y="16836091"/>
+            <a:off x="15371788" y="19614732"/>
             <a:ext cx="4533900" cy="369332"/>
           </a:xfrm>
           <a:prstGeom prst="rect">
             <a:avLst/>
           </a:prstGeom>
-          <a:noFill/>
+          <a:solidFill>
+            <a:schemeClr val="accent1">
+              <a:lumMod val="40000"/>
+              <a:lumOff val="60000"/>
+            </a:schemeClr>
+          </a:solidFill>
           <a:ln w="28575">
             <a:solidFill>
-              <a:schemeClr val="tx1"/>
+              <a:schemeClr val="accent1"/>
             </a:solidFill>
           </a:ln>
         </p:spPr>
@@ -5470,7 +6103,7 @@
         </p:nvCxnSpPr>
         <p:spPr>
           <a:xfrm>
-            <a:off x="17434426" y="14134087"/>
+            <a:off x="17638738" y="16912728"/>
             <a:ext cx="0" cy="2702004"/>
           </a:xfrm>
           <a:prstGeom prst="straightConnector1">
@@ -5514,7 +6147,7 @@
         </p:nvCxnSpPr>
         <p:spPr>
           <a:xfrm flipH="1">
-            <a:off x="17434426" y="15506879"/>
+            <a:off x="17638738" y="18285520"/>
             <a:ext cx="2728022" cy="1329212"/>
           </a:xfrm>
           <a:prstGeom prst="straightConnector1">
@@ -5542,6 +6175,1186 @@
           </a:fontRef>
         </p:style>
       </p:cxnSp>
+      <p:sp>
+        <p:nvSpPr>
+          <p:cNvPr id="49" name="TextBox 48">
+            <a:extLst>
+              <a:ext uri="{FF2B5EF4-FFF2-40B4-BE49-F238E27FC236}">
+                <a16:creationId xmlns:a16="http://schemas.microsoft.com/office/drawing/2014/main" id="{BBD7D21E-79D3-4A85-AE05-D22B995F7D29}"/>
+              </a:ext>
+            </a:extLst>
+          </p:cNvPr>
+          <p:cNvSpPr txBox="1"/>
+          <p:nvPr/>
+        </p:nvSpPr>
+        <p:spPr>
+          <a:xfrm>
+            <a:off x="13104838" y="1916202"/>
+            <a:ext cx="4533900" cy="369332"/>
+          </a:xfrm>
+          <a:prstGeom prst="rect">
+            <a:avLst/>
+          </a:prstGeom>
+          <a:solidFill>
+            <a:schemeClr val="accent4">
+              <a:lumMod val="40000"/>
+              <a:lumOff val="60000"/>
+            </a:schemeClr>
+          </a:solidFill>
+          <a:ln w="28575">
+            <a:solidFill>
+              <a:schemeClr val="accent4"/>
+            </a:solidFill>
+          </a:ln>
+        </p:spPr>
+        <p:txBody>
+          <a:bodyPr wrap="square" rtlCol="0">
+            <a:spAutoFit/>
+          </a:bodyPr>
+          <a:lstStyle/>
+          <a:p>
+            <a:pPr algn="ctr"/>
+            <a:r>
+              <a:rPr lang="en-US" i="1" dirty="0" err="1"/>
+              <a:t>workflow.ACT_HI_PROCINST</a:t>
+            </a:r>
+            <a:endParaRPr lang="en-US" i="1" dirty="0"/>
+          </a:p>
+        </p:txBody>
+      </p:sp>
+      <p:sp>
+        <p:nvSpPr>
+          <p:cNvPr id="51" name="TextBox 50">
+            <a:extLst>
+              <a:ext uri="{FF2B5EF4-FFF2-40B4-BE49-F238E27FC236}">
+                <a16:creationId xmlns:a16="http://schemas.microsoft.com/office/drawing/2014/main" id="{80EFB86E-AAC0-480A-BB9B-3BAFE4C6FFD8}"/>
+              </a:ext>
+            </a:extLst>
+          </p:cNvPr>
+          <p:cNvSpPr txBox="1"/>
+          <p:nvPr/>
+        </p:nvSpPr>
+        <p:spPr>
+          <a:xfrm>
+            <a:off x="20708208" y="1958810"/>
+            <a:ext cx="4533900" cy="369332"/>
+          </a:xfrm>
+          <a:prstGeom prst="rect">
+            <a:avLst/>
+          </a:prstGeom>
+          <a:solidFill>
+            <a:schemeClr val="accent4">
+              <a:lumMod val="40000"/>
+              <a:lumOff val="60000"/>
+            </a:schemeClr>
+          </a:solidFill>
+          <a:ln w="28575">
+            <a:solidFill>
+              <a:schemeClr val="accent4"/>
+            </a:solidFill>
+          </a:ln>
+        </p:spPr>
+        <p:txBody>
+          <a:bodyPr wrap="square" rtlCol="0">
+            <a:spAutoFit/>
+          </a:bodyPr>
+          <a:lstStyle/>
+          <a:p>
+            <a:pPr algn="ctr"/>
+            <a:r>
+              <a:rPr lang="en-US" i="1" dirty="0" err="1"/>
+              <a:t>workflow.ACT_HI_DETAIL</a:t>
+            </a:r>
+            <a:endParaRPr lang="en-US" i="1" dirty="0"/>
+          </a:p>
+        </p:txBody>
+      </p:sp>
+      <p:sp>
+        <p:nvSpPr>
+          <p:cNvPr id="53" name="TextBox 52">
+            <a:extLst>
+              <a:ext uri="{FF2B5EF4-FFF2-40B4-BE49-F238E27FC236}">
+                <a16:creationId xmlns:a16="http://schemas.microsoft.com/office/drawing/2014/main" id="{4106A155-2D86-43BF-88A7-35C8E2B3F6FB}"/>
+              </a:ext>
+            </a:extLst>
+          </p:cNvPr>
+          <p:cNvSpPr txBox="1"/>
+          <p:nvPr/>
+        </p:nvSpPr>
+        <p:spPr>
+          <a:xfrm>
+            <a:off x="27205833" y="1965270"/>
+            <a:ext cx="4533900" cy="369332"/>
+          </a:xfrm>
+          <a:prstGeom prst="rect">
+            <a:avLst/>
+          </a:prstGeom>
+          <a:solidFill>
+            <a:schemeClr val="accent4">
+              <a:lumMod val="40000"/>
+              <a:lumOff val="60000"/>
+            </a:schemeClr>
+          </a:solidFill>
+          <a:ln w="28575">
+            <a:solidFill>
+              <a:schemeClr val="accent4"/>
+            </a:solidFill>
+          </a:ln>
+        </p:spPr>
+        <p:txBody>
+          <a:bodyPr wrap="square" rtlCol="0">
+            <a:spAutoFit/>
+          </a:bodyPr>
+          <a:lstStyle/>
+          <a:p>
+            <a:pPr algn="ctr"/>
+            <a:r>
+              <a:rPr lang="en-US" i="1" dirty="0" err="1"/>
+              <a:t>workflow.ACT_HI_ACTINST</a:t>
+            </a:r>
+            <a:endParaRPr lang="en-US" i="1" dirty="0"/>
+          </a:p>
+        </p:txBody>
+      </p:sp>
+      <p:sp>
+        <p:nvSpPr>
+          <p:cNvPr id="54" name="TextBox 53">
+            <a:extLst>
+              <a:ext uri="{FF2B5EF4-FFF2-40B4-BE49-F238E27FC236}">
+                <a16:creationId xmlns:a16="http://schemas.microsoft.com/office/drawing/2014/main" id="{974F70E6-669C-4E27-8BA5-04DA0F206E4A}"/>
+              </a:ext>
+            </a:extLst>
+          </p:cNvPr>
+          <p:cNvSpPr txBox="1"/>
+          <p:nvPr/>
+        </p:nvSpPr>
+        <p:spPr>
+          <a:xfrm>
+            <a:off x="32532338" y="1962040"/>
+            <a:ext cx="4533900" cy="369332"/>
+          </a:xfrm>
+          <a:prstGeom prst="rect">
+            <a:avLst/>
+          </a:prstGeom>
+          <a:solidFill>
+            <a:schemeClr val="accent4">
+              <a:lumMod val="40000"/>
+              <a:lumOff val="60000"/>
+            </a:schemeClr>
+          </a:solidFill>
+          <a:ln w="28575">
+            <a:solidFill>
+              <a:schemeClr val="accent4"/>
+            </a:solidFill>
+          </a:ln>
+        </p:spPr>
+        <p:txBody>
+          <a:bodyPr wrap="square" rtlCol="0">
+            <a:spAutoFit/>
+          </a:bodyPr>
+          <a:lstStyle/>
+          <a:p>
+            <a:pPr algn="ctr"/>
+            <a:r>
+              <a:rPr lang="en-US" i="1" dirty="0" err="1"/>
+              <a:t>workflow.ACT_RE_PROCDEF</a:t>
+            </a:r>
+            <a:endParaRPr lang="en-US" dirty="0"/>
+          </a:p>
+        </p:txBody>
+      </p:sp>
+      <p:cxnSp>
+        <p:nvCxnSpPr>
+          <p:cNvPr id="3" name="Straight Arrow Connector 2">
+            <a:extLst>
+              <a:ext uri="{FF2B5EF4-FFF2-40B4-BE49-F238E27FC236}">
+                <a16:creationId xmlns:a16="http://schemas.microsoft.com/office/drawing/2014/main" id="{D4B4A24D-EE8A-416B-A53F-1E5BA616482A}"/>
+              </a:ext>
+            </a:extLst>
+          </p:cNvPr>
+          <p:cNvCxnSpPr>
+            <a:stCxn id="49" idx="2"/>
+            <a:endCxn id="78" idx="0"/>
+          </p:cNvCxnSpPr>
+          <p:nvPr/>
+        </p:nvCxnSpPr>
+        <p:spPr>
+          <a:xfrm>
+            <a:off x="15371788" y="2285534"/>
+            <a:ext cx="19235508" cy="6171951"/>
+          </a:xfrm>
+          <a:prstGeom prst="straightConnector1">
+            <a:avLst/>
+          </a:prstGeom>
+          <a:ln w="31750">
+            <a:solidFill>
+              <a:srgbClr val="FF0000"/>
+            </a:solidFill>
+            <a:tailEnd type="triangle"/>
+          </a:ln>
+        </p:spPr>
+        <p:style>
+          <a:lnRef idx="1">
+            <a:schemeClr val="accent1"/>
+          </a:lnRef>
+          <a:fillRef idx="0">
+            <a:schemeClr val="accent1"/>
+          </a:fillRef>
+          <a:effectRef idx="0">
+            <a:schemeClr val="accent1"/>
+          </a:effectRef>
+          <a:fontRef idx="minor">
+            <a:schemeClr val="tx1"/>
+          </a:fontRef>
+        </p:style>
+      </p:cxnSp>
+      <p:cxnSp>
+        <p:nvCxnSpPr>
+          <p:cNvPr id="8" name="Straight Arrow Connector 7">
+            <a:extLst>
+              <a:ext uri="{FF2B5EF4-FFF2-40B4-BE49-F238E27FC236}">
+                <a16:creationId xmlns:a16="http://schemas.microsoft.com/office/drawing/2014/main" id="{6BFD7552-DC6E-449E-9F79-10C9498DF754}"/>
+              </a:ext>
+            </a:extLst>
+          </p:cNvPr>
+          <p:cNvCxnSpPr>
+            <a:stCxn id="51" idx="2"/>
+            <a:endCxn id="78" idx="0"/>
+          </p:cNvCxnSpPr>
+          <p:nvPr/>
+        </p:nvCxnSpPr>
+        <p:spPr>
+          <a:xfrm>
+            <a:off x="22975158" y="2328142"/>
+            <a:ext cx="11632138" cy="6129343"/>
+          </a:xfrm>
+          <a:prstGeom prst="straightConnector1">
+            <a:avLst/>
+          </a:prstGeom>
+          <a:ln w="31750">
+            <a:solidFill>
+              <a:srgbClr val="FF0000"/>
+            </a:solidFill>
+            <a:tailEnd type="triangle"/>
+          </a:ln>
+        </p:spPr>
+        <p:style>
+          <a:lnRef idx="1">
+            <a:schemeClr val="accent1"/>
+          </a:lnRef>
+          <a:fillRef idx="0">
+            <a:schemeClr val="accent1"/>
+          </a:fillRef>
+          <a:effectRef idx="0">
+            <a:schemeClr val="accent1"/>
+          </a:effectRef>
+          <a:fontRef idx="minor">
+            <a:schemeClr val="tx1"/>
+          </a:fontRef>
+        </p:style>
+      </p:cxnSp>
+      <p:cxnSp>
+        <p:nvCxnSpPr>
+          <p:cNvPr id="12" name="Straight Arrow Connector 11">
+            <a:extLst>
+              <a:ext uri="{FF2B5EF4-FFF2-40B4-BE49-F238E27FC236}">
+                <a16:creationId xmlns:a16="http://schemas.microsoft.com/office/drawing/2014/main" id="{108863FB-00BF-49A3-9E07-D6E3CAB2056C}"/>
+              </a:ext>
+            </a:extLst>
+          </p:cNvPr>
+          <p:cNvCxnSpPr>
+            <a:stCxn id="53" idx="2"/>
+            <a:endCxn id="78" idx="0"/>
+          </p:cNvCxnSpPr>
+          <p:nvPr/>
+        </p:nvCxnSpPr>
+        <p:spPr>
+          <a:xfrm>
+            <a:off x="29472783" y="2334602"/>
+            <a:ext cx="5134513" cy="6122883"/>
+          </a:xfrm>
+          <a:prstGeom prst="straightConnector1">
+            <a:avLst/>
+          </a:prstGeom>
+          <a:ln w="31750">
+            <a:solidFill>
+              <a:srgbClr val="FF0000"/>
+            </a:solidFill>
+            <a:tailEnd type="triangle"/>
+          </a:ln>
+        </p:spPr>
+        <p:style>
+          <a:lnRef idx="1">
+            <a:schemeClr val="accent1"/>
+          </a:lnRef>
+          <a:fillRef idx="0">
+            <a:schemeClr val="accent1"/>
+          </a:fillRef>
+          <a:effectRef idx="0">
+            <a:schemeClr val="accent1"/>
+          </a:effectRef>
+          <a:fontRef idx="minor">
+            <a:schemeClr val="tx1"/>
+          </a:fontRef>
+        </p:style>
+      </p:cxnSp>
+      <p:cxnSp>
+        <p:nvCxnSpPr>
+          <p:cNvPr id="15" name="Straight Arrow Connector 14">
+            <a:extLst>
+              <a:ext uri="{FF2B5EF4-FFF2-40B4-BE49-F238E27FC236}">
+                <a16:creationId xmlns:a16="http://schemas.microsoft.com/office/drawing/2014/main" id="{BC059F38-D0CC-4C61-9476-EAD0060FD0AE}"/>
+              </a:ext>
+            </a:extLst>
+          </p:cNvPr>
+          <p:cNvCxnSpPr>
+            <a:stCxn id="54" idx="2"/>
+            <a:endCxn id="78" idx="0"/>
+          </p:cNvCxnSpPr>
+          <p:nvPr/>
+        </p:nvCxnSpPr>
+        <p:spPr>
+          <a:xfrm flipH="1">
+            <a:off x="34607296" y="2331372"/>
+            <a:ext cx="191992" cy="6126113"/>
+          </a:xfrm>
+          <a:prstGeom prst="straightConnector1">
+            <a:avLst/>
+          </a:prstGeom>
+          <a:ln w="31750">
+            <a:solidFill>
+              <a:srgbClr val="FF0000"/>
+            </a:solidFill>
+            <a:tailEnd type="triangle"/>
+          </a:ln>
+        </p:spPr>
+        <p:style>
+          <a:lnRef idx="1">
+            <a:schemeClr val="accent1"/>
+          </a:lnRef>
+          <a:fillRef idx="0">
+            <a:schemeClr val="accent1"/>
+          </a:fillRef>
+          <a:effectRef idx="0">
+            <a:schemeClr val="accent1"/>
+          </a:effectRef>
+          <a:fontRef idx="minor">
+            <a:schemeClr val="tx1"/>
+          </a:fontRef>
+        </p:style>
+      </p:cxnSp>
+      <p:cxnSp>
+        <p:nvCxnSpPr>
+          <p:cNvPr id="57" name="Straight Arrow Connector 56">
+            <a:extLst>
+              <a:ext uri="{FF2B5EF4-FFF2-40B4-BE49-F238E27FC236}">
+                <a16:creationId xmlns:a16="http://schemas.microsoft.com/office/drawing/2014/main" id="{A33F2056-084F-45F7-971D-3D933D36D4EF}"/>
+              </a:ext>
+            </a:extLst>
+          </p:cNvPr>
+          <p:cNvCxnSpPr>
+            <a:stCxn id="51" idx="2"/>
+            <a:endCxn id="81" idx="0"/>
+          </p:cNvCxnSpPr>
+          <p:nvPr/>
+        </p:nvCxnSpPr>
+        <p:spPr>
+          <a:xfrm>
+            <a:off x="22975158" y="2328142"/>
+            <a:ext cx="100875" cy="6080047"/>
+          </a:xfrm>
+          <a:prstGeom prst="straightConnector1">
+            <a:avLst/>
+          </a:prstGeom>
+          <a:ln w="31750">
+            <a:solidFill>
+              <a:srgbClr val="FF0000"/>
+            </a:solidFill>
+            <a:tailEnd type="triangle"/>
+          </a:ln>
+        </p:spPr>
+        <p:style>
+          <a:lnRef idx="1">
+            <a:schemeClr val="accent1"/>
+          </a:lnRef>
+          <a:fillRef idx="0">
+            <a:schemeClr val="accent1"/>
+          </a:fillRef>
+          <a:effectRef idx="0">
+            <a:schemeClr val="accent1"/>
+          </a:effectRef>
+          <a:fontRef idx="minor">
+            <a:schemeClr val="tx1"/>
+          </a:fontRef>
+        </p:style>
+      </p:cxnSp>
+      <p:cxnSp>
+        <p:nvCxnSpPr>
+          <p:cNvPr id="59" name="Straight Arrow Connector 58">
+            <a:extLst>
+              <a:ext uri="{FF2B5EF4-FFF2-40B4-BE49-F238E27FC236}">
+                <a16:creationId xmlns:a16="http://schemas.microsoft.com/office/drawing/2014/main" id="{66A892EF-CF8C-458B-BE5D-79D164E54AE7}"/>
+              </a:ext>
+            </a:extLst>
+          </p:cNvPr>
+          <p:cNvCxnSpPr>
+            <a:stCxn id="51" idx="2"/>
+            <a:endCxn id="92" idx="0"/>
+          </p:cNvCxnSpPr>
+          <p:nvPr/>
+        </p:nvCxnSpPr>
+        <p:spPr>
+          <a:xfrm>
+            <a:off x="22975158" y="2328142"/>
+            <a:ext cx="6002609" cy="6050514"/>
+          </a:xfrm>
+          <a:prstGeom prst="straightConnector1">
+            <a:avLst/>
+          </a:prstGeom>
+          <a:ln w="31750">
+            <a:solidFill>
+              <a:srgbClr val="FF0000"/>
+            </a:solidFill>
+            <a:tailEnd type="triangle"/>
+          </a:ln>
+        </p:spPr>
+        <p:style>
+          <a:lnRef idx="1">
+            <a:schemeClr val="accent1"/>
+          </a:lnRef>
+          <a:fillRef idx="0">
+            <a:schemeClr val="accent1"/>
+          </a:fillRef>
+          <a:effectRef idx="0">
+            <a:schemeClr val="accent1"/>
+          </a:effectRef>
+          <a:fontRef idx="minor">
+            <a:schemeClr val="tx1"/>
+          </a:fontRef>
+        </p:style>
+      </p:cxnSp>
+      <p:cxnSp>
+        <p:nvCxnSpPr>
+          <p:cNvPr id="61" name="Straight Arrow Connector 60">
+            <a:extLst>
+              <a:ext uri="{FF2B5EF4-FFF2-40B4-BE49-F238E27FC236}">
+                <a16:creationId xmlns:a16="http://schemas.microsoft.com/office/drawing/2014/main" id="{4C08A118-9D1A-485C-B5A4-081EEA301A33}"/>
+              </a:ext>
+            </a:extLst>
+          </p:cNvPr>
+          <p:cNvCxnSpPr>
+            <a:stCxn id="53" idx="2"/>
+            <a:endCxn id="92" idx="0"/>
+          </p:cNvCxnSpPr>
+          <p:nvPr/>
+        </p:nvCxnSpPr>
+        <p:spPr>
+          <a:xfrm flipH="1">
+            <a:off x="28977767" y="2334602"/>
+            <a:ext cx="495016" cy="6044054"/>
+          </a:xfrm>
+          <a:prstGeom prst="straightConnector1">
+            <a:avLst/>
+          </a:prstGeom>
+          <a:ln w="31750">
+            <a:solidFill>
+              <a:srgbClr val="FF0000"/>
+            </a:solidFill>
+            <a:tailEnd type="triangle"/>
+          </a:ln>
+        </p:spPr>
+        <p:style>
+          <a:lnRef idx="1">
+            <a:schemeClr val="accent1"/>
+          </a:lnRef>
+          <a:fillRef idx="0">
+            <a:schemeClr val="accent1"/>
+          </a:fillRef>
+          <a:effectRef idx="0">
+            <a:schemeClr val="accent1"/>
+          </a:effectRef>
+          <a:fontRef idx="minor">
+            <a:schemeClr val="tx1"/>
+          </a:fontRef>
+        </p:style>
+      </p:cxnSp>
+      <p:cxnSp>
+        <p:nvCxnSpPr>
+          <p:cNvPr id="63" name="Straight Arrow Connector 62">
+            <a:extLst>
+              <a:ext uri="{FF2B5EF4-FFF2-40B4-BE49-F238E27FC236}">
+                <a16:creationId xmlns:a16="http://schemas.microsoft.com/office/drawing/2014/main" id="{27025186-F8AF-405F-ACDF-93C5C7616D54}"/>
+              </a:ext>
+            </a:extLst>
+          </p:cNvPr>
+          <p:cNvCxnSpPr>
+            <a:stCxn id="49" idx="2"/>
+            <a:endCxn id="10" idx="0"/>
+          </p:cNvCxnSpPr>
+          <p:nvPr/>
+        </p:nvCxnSpPr>
+        <p:spPr>
+          <a:xfrm>
+            <a:off x="15371788" y="2285534"/>
+            <a:ext cx="0" cy="3629379"/>
+          </a:xfrm>
+          <a:prstGeom prst="straightConnector1">
+            <a:avLst/>
+          </a:prstGeom>
+          <a:ln w="31750">
+            <a:solidFill>
+              <a:srgbClr val="FF0000"/>
+            </a:solidFill>
+            <a:tailEnd type="triangle"/>
+          </a:ln>
+        </p:spPr>
+        <p:style>
+          <a:lnRef idx="1">
+            <a:schemeClr val="accent1"/>
+          </a:lnRef>
+          <a:fillRef idx="0">
+            <a:schemeClr val="accent1"/>
+          </a:fillRef>
+          <a:effectRef idx="0">
+            <a:schemeClr val="accent1"/>
+          </a:effectRef>
+          <a:fontRef idx="minor">
+            <a:schemeClr val="tx1"/>
+          </a:fontRef>
+        </p:style>
+      </p:cxnSp>
+      <p:sp>
+        <p:nvSpPr>
+          <p:cNvPr id="176" name="TextBox 175">
+            <a:extLst>
+              <a:ext uri="{FF2B5EF4-FFF2-40B4-BE49-F238E27FC236}">
+                <a16:creationId xmlns:a16="http://schemas.microsoft.com/office/drawing/2014/main" id="{F9C7FB6D-9AF0-412B-9BF4-1273F66881C4}"/>
+              </a:ext>
+            </a:extLst>
+          </p:cNvPr>
+          <p:cNvSpPr txBox="1"/>
+          <p:nvPr/>
+        </p:nvSpPr>
+        <p:spPr>
+          <a:xfrm>
+            <a:off x="15371788" y="21264003"/>
+            <a:ext cx="4533900" cy="369332"/>
+          </a:xfrm>
+          <a:prstGeom prst="rect">
+            <a:avLst/>
+          </a:prstGeom>
+          <a:solidFill>
+            <a:schemeClr val="accent6">
+              <a:lumMod val="60000"/>
+              <a:lumOff val="40000"/>
+            </a:schemeClr>
+          </a:solidFill>
+          <a:ln w="28575">
+            <a:solidFill>
+              <a:schemeClr val="accent6">
+                <a:lumMod val="50000"/>
+              </a:schemeClr>
+            </a:solidFill>
+          </a:ln>
+        </p:spPr>
+        <p:txBody>
+          <a:bodyPr wrap="square" rtlCol="0">
+            <a:spAutoFit/>
+          </a:bodyPr>
+          <a:lstStyle/>
+          <a:p>
+            <a:pPr lvl="0" algn="ctr"/>
+            <a:r>
+              <a:rPr lang="en-US" dirty="0"/>
+              <a:t>Curated EHR and Workflow Data</a:t>
+            </a:r>
+          </a:p>
+        </p:txBody>
+      </p:sp>
+      <p:cxnSp>
+        <p:nvCxnSpPr>
+          <p:cNvPr id="166" name="Straight Arrow Connector 165">
+            <a:extLst>
+              <a:ext uri="{FF2B5EF4-FFF2-40B4-BE49-F238E27FC236}">
+                <a16:creationId xmlns:a16="http://schemas.microsoft.com/office/drawing/2014/main" id="{623F65D0-9B83-48C5-9AB8-C425C200F058}"/>
+              </a:ext>
+            </a:extLst>
+          </p:cNvPr>
+          <p:cNvCxnSpPr>
+            <a:cxnSpLocks/>
+            <a:stCxn id="199" idx="2"/>
+            <a:endCxn id="176" idx="0"/>
+          </p:cNvCxnSpPr>
+          <p:nvPr/>
+        </p:nvCxnSpPr>
+        <p:spPr>
+          <a:xfrm>
+            <a:off x="17638738" y="19984064"/>
+            <a:ext cx="0" cy="1279939"/>
+          </a:xfrm>
+          <a:prstGeom prst="straightConnector1">
+            <a:avLst/>
+          </a:prstGeom>
+          <a:ln w="31750">
+            <a:solidFill>
+              <a:srgbClr val="FF0000"/>
+            </a:solidFill>
+            <a:tailEnd type="triangle"/>
+          </a:ln>
+        </p:spPr>
+        <p:style>
+          <a:lnRef idx="1">
+            <a:schemeClr val="accent1"/>
+          </a:lnRef>
+          <a:fillRef idx="0">
+            <a:schemeClr val="accent1"/>
+          </a:fillRef>
+          <a:effectRef idx="0">
+            <a:schemeClr val="accent1"/>
+          </a:effectRef>
+          <a:fontRef idx="minor">
+            <a:schemeClr val="tx1"/>
+          </a:fontRef>
+        </p:style>
+      </p:cxnSp>
+      <p:sp>
+        <p:nvSpPr>
+          <p:cNvPr id="172" name="TextBox 171">
+            <a:extLst>
+              <a:ext uri="{FF2B5EF4-FFF2-40B4-BE49-F238E27FC236}">
+                <a16:creationId xmlns:a16="http://schemas.microsoft.com/office/drawing/2014/main" id="{519A1FF5-86B2-4250-AD62-FEB7F957F710}"/>
+              </a:ext>
+            </a:extLst>
+          </p:cNvPr>
+          <p:cNvSpPr txBox="1"/>
+          <p:nvPr/>
+        </p:nvSpPr>
+        <p:spPr>
+          <a:xfrm>
+            <a:off x="798558" y="3118552"/>
+            <a:ext cx="5470280" cy="923330"/>
+          </a:xfrm>
+          <a:prstGeom prst="rect">
+            <a:avLst/>
+          </a:prstGeom>
+          <a:noFill/>
+        </p:spPr>
+        <p:txBody>
+          <a:bodyPr wrap="none" rtlCol="0">
+            <a:spAutoFit/>
+          </a:bodyPr>
+          <a:lstStyle/>
+          <a:p>
+            <a:r>
+              <a:rPr lang="en-US" sz="5400" b="1" dirty="0"/>
+              <a:t>EHR Data Curation</a:t>
+            </a:r>
+          </a:p>
+        </p:txBody>
+      </p:sp>
+      <p:sp>
+        <p:nvSpPr>
+          <p:cNvPr id="186" name="TextBox 185">
+            <a:extLst>
+              <a:ext uri="{FF2B5EF4-FFF2-40B4-BE49-F238E27FC236}">
+                <a16:creationId xmlns:a16="http://schemas.microsoft.com/office/drawing/2014/main" id="{38EEA66A-08BC-4D19-8412-E69A6297F4FA}"/>
+              </a:ext>
+            </a:extLst>
+          </p:cNvPr>
+          <p:cNvSpPr txBox="1"/>
+          <p:nvPr/>
+        </p:nvSpPr>
+        <p:spPr>
+          <a:xfrm>
+            <a:off x="36379230" y="3037025"/>
+            <a:ext cx="7302019" cy="923330"/>
+          </a:xfrm>
+          <a:prstGeom prst="rect">
+            <a:avLst/>
+          </a:prstGeom>
+          <a:noFill/>
+          <a:ln>
+            <a:noFill/>
+          </a:ln>
+        </p:spPr>
+        <p:txBody>
+          <a:bodyPr wrap="square" rtlCol="0">
+            <a:spAutoFit/>
+          </a:bodyPr>
+          <a:lstStyle/>
+          <a:p>
+            <a:pPr algn="r"/>
+            <a:r>
+              <a:rPr lang="en-US" sz="5400" b="1" dirty="0"/>
+              <a:t>Workflow Data Curation</a:t>
+            </a:r>
+          </a:p>
+        </p:txBody>
+      </p:sp>
+      <p:sp>
+        <p:nvSpPr>
+          <p:cNvPr id="188" name="TextBox 187">
+            <a:extLst>
+              <a:ext uri="{FF2B5EF4-FFF2-40B4-BE49-F238E27FC236}">
+                <a16:creationId xmlns:a16="http://schemas.microsoft.com/office/drawing/2014/main" id="{46B0359A-783F-4383-B939-85D353DE3563}"/>
+              </a:ext>
+            </a:extLst>
+          </p:cNvPr>
+          <p:cNvSpPr txBox="1"/>
+          <p:nvPr/>
+        </p:nvSpPr>
+        <p:spPr>
+          <a:xfrm>
+            <a:off x="925986" y="15274896"/>
+            <a:ext cx="7021742" cy="923330"/>
+          </a:xfrm>
+          <a:prstGeom prst="rect">
+            <a:avLst/>
+          </a:prstGeom>
+          <a:noFill/>
+          <a:ln>
+            <a:noFill/>
+          </a:ln>
+        </p:spPr>
+        <p:txBody>
+          <a:bodyPr wrap="square" rtlCol="0">
+            <a:spAutoFit/>
+          </a:bodyPr>
+          <a:lstStyle/>
+          <a:p>
+            <a:r>
+              <a:rPr lang="en-US" sz="5400" b="1" dirty="0"/>
+              <a:t>EHR and Workflow Data</a:t>
+            </a:r>
+          </a:p>
+        </p:txBody>
+      </p:sp>
+      <p:sp>
+        <p:nvSpPr>
+          <p:cNvPr id="173" name="TextBox 172">
+            <a:extLst>
+              <a:ext uri="{FF2B5EF4-FFF2-40B4-BE49-F238E27FC236}">
+                <a16:creationId xmlns:a16="http://schemas.microsoft.com/office/drawing/2014/main" id="{9BE47BFF-40D8-4ABD-A41E-1056F993E0DC}"/>
+              </a:ext>
+            </a:extLst>
+          </p:cNvPr>
+          <p:cNvSpPr txBox="1"/>
+          <p:nvPr/>
+        </p:nvSpPr>
+        <p:spPr>
+          <a:xfrm>
+            <a:off x="31739732" y="15889270"/>
+            <a:ext cx="8121061" cy="4924425"/>
+          </a:xfrm>
+          <a:prstGeom prst="rect">
+            <a:avLst/>
+          </a:prstGeom>
+          <a:noFill/>
+          <a:ln>
+            <a:solidFill>
+              <a:schemeClr val="tx1"/>
+            </a:solidFill>
+          </a:ln>
+        </p:spPr>
+        <p:txBody>
+          <a:bodyPr wrap="square" rtlCol="0">
+            <a:spAutoFit/>
+          </a:bodyPr>
+          <a:lstStyle/>
+          <a:p>
+            <a:pPr algn="ctr"/>
+            <a:r>
+              <a:rPr lang="en-US" sz="4400" b="1" u="sng" dirty="0"/>
+              <a:t>LEGEND</a:t>
+            </a:r>
+            <a:endParaRPr lang="en-US" sz="3600" b="1" u="sng" dirty="0"/>
+          </a:p>
+          <a:p>
+            <a:pPr algn="ctr"/>
+            <a:endParaRPr lang="en-US" sz="3600" dirty="0"/>
+          </a:p>
+          <a:p>
+            <a:endParaRPr lang="en-US" dirty="0"/>
+          </a:p>
+          <a:p>
+            <a:endParaRPr lang="en-US" dirty="0"/>
+          </a:p>
+          <a:p>
+            <a:endParaRPr lang="en-US" dirty="0"/>
+          </a:p>
+          <a:p>
+            <a:endParaRPr lang="en-US" dirty="0"/>
+          </a:p>
+          <a:p>
+            <a:endParaRPr lang="en-US" dirty="0"/>
+          </a:p>
+          <a:p>
+            <a:endParaRPr lang="en-US" dirty="0"/>
+          </a:p>
+          <a:p>
+            <a:endParaRPr lang="en-US" dirty="0"/>
+          </a:p>
+          <a:p>
+            <a:endParaRPr lang="en-US" dirty="0"/>
+          </a:p>
+          <a:p>
+            <a:endParaRPr lang="en-US" dirty="0"/>
+          </a:p>
+          <a:p>
+            <a:endParaRPr lang="en-US" dirty="0"/>
+          </a:p>
+          <a:p>
+            <a:endParaRPr lang="en-US" dirty="0"/>
+          </a:p>
+          <a:p>
+            <a:endParaRPr lang="en-US" dirty="0"/>
+          </a:p>
+          <a:p>
+            <a:endParaRPr lang="en-US" dirty="0"/>
+          </a:p>
+        </p:txBody>
+      </p:sp>
+      <p:sp>
+        <p:nvSpPr>
+          <p:cNvPr id="190" name="TextBox 189">
+            <a:extLst>
+              <a:ext uri="{FF2B5EF4-FFF2-40B4-BE49-F238E27FC236}">
+                <a16:creationId xmlns:a16="http://schemas.microsoft.com/office/drawing/2014/main" id="{AE24FC84-8D6C-4025-85AD-5905D887CA02}"/>
+              </a:ext>
+            </a:extLst>
+          </p:cNvPr>
+          <p:cNvSpPr txBox="1"/>
+          <p:nvPr/>
+        </p:nvSpPr>
+        <p:spPr>
+          <a:xfrm>
+            <a:off x="31935995" y="16754392"/>
+            <a:ext cx="7691512" cy="646331"/>
+          </a:xfrm>
+          <a:prstGeom prst="rect">
+            <a:avLst/>
+          </a:prstGeom>
+          <a:solidFill>
+            <a:schemeClr val="accent4">
+              <a:lumMod val="40000"/>
+              <a:lumOff val="60000"/>
+            </a:schemeClr>
+          </a:solidFill>
+          <a:ln w="28575">
+            <a:solidFill>
+              <a:schemeClr val="accent4"/>
+            </a:solidFill>
+          </a:ln>
+        </p:spPr>
+        <p:txBody>
+          <a:bodyPr wrap="square" rtlCol="0">
+            <a:spAutoFit/>
+          </a:bodyPr>
+          <a:lstStyle/>
+          <a:p>
+            <a:pPr algn="ctr"/>
+            <a:r>
+              <a:rPr lang="en-US" sz="3600" dirty="0"/>
+              <a:t>Raw Data Inputs</a:t>
+            </a:r>
+          </a:p>
+        </p:txBody>
+      </p:sp>
+      <p:sp>
+        <p:nvSpPr>
+          <p:cNvPr id="191" name="TextBox 190">
+            <a:extLst>
+              <a:ext uri="{FF2B5EF4-FFF2-40B4-BE49-F238E27FC236}">
+                <a16:creationId xmlns:a16="http://schemas.microsoft.com/office/drawing/2014/main" id="{4932F9AF-CE16-48A3-B367-B49DDE06B204}"/>
+              </a:ext>
+            </a:extLst>
+          </p:cNvPr>
+          <p:cNvSpPr txBox="1"/>
+          <p:nvPr/>
+        </p:nvSpPr>
+        <p:spPr>
+          <a:xfrm>
+            <a:off x="31935995" y="17534492"/>
+            <a:ext cx="7691512" cy="646331"/>
+          </a:xfrm>
+          <a:prstGeom prst="rect">
+            <a:avLst/>
+          </a:prstGeom>
+          <a:solidFill>
+            <a:schemeClr val="bg1">
+              <a:lumMod val="85000"/>
+            </a:schemeClr>
+          </a:solidFill>
+          <a:ln w="28575">
+            <a:solidFill>
+              <a:schemeClr val="bg1">
+                <a:lumMod val="50000"/>
+              </a:schemeClr>
+            </a:solidFill>
+          </a:ln>
+        </p:spPr>
+        <p:txBody>
+          <a:bodyPr wrap="square" rtlCol="0">
+            <a:spAutoFit/>
+          </a:bodyPr>
+          <a:lstStyle/>
+          <a:p>
+            <a:pPr algn="ctr"/>
+            <a:r>
+              <a:rPr lang="en-US" sz="3600" dirty="0"/>
+              <a:t>EHR Data Curation Scripts</a:t>
+            </a:r>
+          </a:p>
+        </p:txBody>
+      </p:sp>
+      <p:sp>
+        <p:nvSpPr>
+          <p:cNvPr id="192" name="TextBox 191">
+            <a:extLst>
+              <a:ext uri="{FF2B5EF4-FFF2-40B4-BE49-F238E27FC236}">
+                <a16:creationId xmlns:a16="http://schemas.microsoft.com/office/drawing/2014/main" id="{ECFA7A7A-3A12-4091-BAFB-C93492B19D8C}"/>
+              </a:ext>
+            </a:extLst>
+          </p:cNvPr>
+          <p:cNvSpPr txBox="1"/>
+          <p:nvPr/>
+        </p:nvSpPr>
+        <p:spPr>
+          <a:xfrm>
+            <a:off x="31935994" y="18360173"/>
+            <a:ext cx="7691513" cy="646331"/>
+          </a:xfrm>
+          <a:prstGeom prst="rect">
+            <a:avLst/>
+          </a:prstGeom>
+          <a:solidFill>
+            <a:schemeClr val="accent2">
+              <a:lumMod val="40000"/>
+              <a:lumOff val="60000"/>
+            </a:schemeClr>
+          </a:solidFill>
+          <a:ln w="28575">
+            <a:solidFill>
+              <a:schemeClr val="accent2"/>
+            </a:solidFill>
+          </a:ln>
+        </p:spPr>
+        <p:txBody>
+          <a:bodyPr wrap="square" rtlCol="0">
+            <a:spAutoFit/>
+          </a:bodyPr>
+          <a:lstStyle/>
+          <a:p>
+            <a:pPr algn="ctr"/>
+            <a:r>
+              <a:rPr lang="en-US" sz="3600" dirty="0"/>
+              <a:t>Workflow Data Curation Scripts</a:t>
+            </a:r>
+          </a:p>
+        </p:txBody>
+      </p:sp>
+      <p:sp>
+        <p:nvSpPr>
+          <p:cNvPr id="193" name="TextBox 192">
+            <a:extLst>
+              <a:ext uri="{FF2B5EF4-FFF2-40B4-BE49-F238E27FC236}">
+                <a16:creationId xmlns:a16="http://schemas.microsoft.com/office/drawing/2014/main" id="{AC62ABC1-8D0F-414D-B757-CC60364668BB}"/>
+              </a:ext>
+            </a:extLst>
+          </p:cNvPr>
+          <p:cNvSpPr txBox="1"/>
+          <p:nvPr/>
+        </p:nvSpPr>
+        <p:spPr>
+          <a:xfrm>
+            <a:off x="31935994" y="19151979"/>
+            <a:ext cx="7691515" cy="646331"/>
+          </a:xfrm>
+          <a:prstGeom prst="rect">
+            <a:avLst/>
+          </a:prstGeom>
+          <a:solidFill>
+            <a:schemeClr val="accent1">
+              <a:lumMod val="40000"/>
+              <a:lumOff val="60000"/>
+            </a:schemeClr>
+          </a:solidFill>
+          <a:ln w="28575">
+            <a:solidFill>
+              <a:schemeClr val="accent1"/>
+            </a:solidFill>
+          </a:ln>
+        </p:spPr>
+        <p:txBody>
+          <a:bodyPr wrap="square" rtlCol="0">
+            <a:spAutoFit/>
+          </a:bodyPr>
+          <a:lstStyle/>
+          <a:p>
+            <a:pPr algn="ctr"/>
+            <a:r>
+              <a:rPr lang="en-US" sz="3600" dirty="0"/>
+              <a:t>EHR and Workflow Data Curation Scripts</a:t>
+            </a:r>
+          </a:p>
+        </p:txBody>
+      </p:sp>
+      <p:sp>
+        <p:nvSpPr>
+          <p:cNvPr id="194" name="TextBox 193">
+            <a:extLst>
+              <a:ext uri="{FF2B5EF4-FFF2-40B4-BE49-F238E27FC236}">
+                <a16:creationId xmlns:a16="http://schemas.microsoft.com/office/drawing/2014/main" id="{A3FF3055-6B9F-4F0E-98A6-10EF1920E8A7}"/>
+              </a:ext>
+            </a:extLst>
+          </p:cNvPr>
+          <p:cNvSpPr txBox="1"/>
+          <p:nvPr/>
+        </p:nvSpPr>
+        <p:spPr>
+          <a:xfrm>
+            <a:off x="31935994" y="19944235"/>
+            <a:ext cx="7691515" cy="646331"/>
+          </a:xfrm>
+          <a:prstGeom prst="rect">
+            <a:avLst/>
+          </a:prstGeom>
+          <a:solidFill>
+            <a:schemeClr val="accent6">
+              <a:lumMod val="40000"/>
+              <a:lumOff val="60000"/>
+            </a:schemeClr>
+          </a:solidFill>
+          <a:ln w="28575">
+            <a:solidFill>
+              <a:schemeClr val="accent6">
+                <a:lumMod val="50000"/>
+              </a:schemeClr>
+            </a:solidFill>
+          </a:ln>
+        </p:spPr>
+        <p:txBody>
+          <a:bodyPr wrap="square" rtlCol="0">
+            <a:spAutoFit/>
+          </a:bodyPr>
+          <a:lstStyle/>
+          <a:p>
+            <a:pPr algn="ctr"/>
+            <a:r>
+              <a:rPr lang="en-US" sz="3600" dirty="0"/>
+              <a:t>Curated Output Data</a:t>
+            </a:r>
+          </a:p>
+        </p:txBody>
+      </p:sp>
+      <p:sp>
+        <p:nvSpPr>
+          <p:cNvPr id="196" name="TextBox 195">
+            <a:extLst>
+              <a:ext uri="{FF2B5EF4-FFF2-40B4-BE49-F238E27FC236}">
+                <a16:creationId xmlns:a16="http://schemas.microsoft.com/office/drawing/2014/main" id="{0530C2AC-5D35-4180-BDE5-83763A846D14}"/>
+              </a:ext>
+            </a:extLst>
+          </p:cNvPr>
+          <p:cNvSpPr txBox="1"/>
+          <p:nvPr/>
+        </p:nvSpPr>
+        <p:spPr>
+          <a:xfrm>
+            <a:off x="775695" y="1424802"/>
+            <a:ext cx="5446975" cy="923330"/>
+          </a:xfrm>
+          <a:prstGeom prst="rect">
+            <a:avLst/>
+          </a:prstGeom>
+          <a:noFill/>
+        </p:spPr>
+        <p:txBody>
+          <a:bodyPr wrap="square" rtlCol="0">
+            <a:spAutoFit/>
+          </a:bodyPr>
+          <a:lstStyle/>
+          <a:p>
+            <a:r>
+              <a:rPr lang="en-US" sz="5400" b="1" dirty="0"/>
+              <a:t>Raw EHR Data</a:t>
+            </a:r>
+          </a:p>
+        </p:txBody>
+      </p:sp>
+      <p:sp>
+        <p:nvSpPr>
+          <p:cNvPr id="200" name="TextBox 199">
+            <a:extLst>
+              <a:ext uri="{FF2B5EF4-FFF2-40B4-BE49-F238E27FC236}">
+                <a16:creationId xmlns:a16="http://schemas.microsoft.com/office/drawing/2014/main" id="{95237AAE-A4D5-4DAA-BD7B-7B39CE7D3DC4}"/>
+              </a:ext>
+            </a:extLst>
+          </p:cNvPr>
+          <p:cNvSpPr txBox="1"/>
+          <p:nvPr/>
+        </p:nvSpPr>
+        <p:spPr>
+          <a:xfrm>
+            <a:off x="37858843" y="1615910"/>
+            <a:ext cx="6193859" cy="923330"/>
+          </a:xfrm>
+          <a:prstGeom prst="rect">
+            <a:avLst/>
+          </a:prstGeom>
+          <a:noFill/>
+          <a:ln>
+            <a:noFill/>
+          </a:ln>
+        </p:spPr>
+        <p:txBody>
+          <a:bodyPr wrap="square" rtlCol="0">
+            <a:spAutoFit/>
+          </a:bodyPr>
+          <a:lstStyle/>
+          <a:p>
+            <a:r>
+              <a:rPr lang="en-US" sz="5400" b="1" dirty="0"/>
+              <a:t>Raw Workflow Data</a:t>
+            </a:r>
+          </a:p>
+        </p:txBody>
+      </p:sp>
+      <p:sp>
+        <p:nvSpPr>
+          <p:cNvPr id="205" name="TextBox 204">
+            <a:extLst>
+              <a:ext uri="{FF2B5EF4-FFF2-40B4-BE49-F238E27FC236}">
+                <a16:creationId xmlns:a16="http://schemas.microsoft.com/office/drawing/2014/main" id="{E55EDD90-04FB-42E9-ABAD-AFBDAB37E6EF}"/>
+              </a:ext>
+            </a:extLst>
+          </p:cNvPr>
+          <p:cNvSpPr txBox="1"/>
+          <p:nvPr/>
+        </p:nvSpPr>
+        <p:spPr>
+          <a:xfrm>
+            <a:off x="5947726" y="60725"/>
+            <a:ext cx="31995747" cy="1446550"/>
+          </a:xfrm>
+          <a:prstGeom prst="rect">
+            <a:avLst/>
+          </a:prstGeom>
+          <a:noFill/>
+        </p:spPr>
+        <p:txBody>
+          <a:bodyPr wrap="none" rtlCol="0">
+            <a:spAutoFit/>
+          </a:bodyPr>
+          <a:lstStyle/>
+          <a:p>
+            <a:r>
+              <a:rPr lang="en-US" sz="8800" b="1" u="sng" dirty="0"/>
+              <a:t>Project DPP: EHR and Workflow Data Curation Pipeline Visualization</a:t>
+            </a:r>
+          </a:p>
+        </p:txBody>
+      </p:sp>
     </p:spTree>
     <p:extLst>
       <p:ext uri="{BB962C8B-B14F-4D97-AF65-F5344CB8AC3E}">
@@ -5844,6 +7657,23 @@
 </file>
 
 <file path=customXml/item1.xml><?xml version="1.0" encoding="utf-8"?>
+<p:properties xmlns:p="http://schemas.microsoft.com/office/2006/metadata/properties" xmlns:xsi="http://www.w3.org/2001/XMLSchema-instance" xmlns:pc="http://schemas.microsoft.com/office/infopath/2007/PartnerControls">
+  <documentManagement>
+    <_activity xmlns="61e2d236-7d6b-45a5-91f3-78346785ea18" xsi:nil="true"/>
+  </documentManagement>
+</p:properties>
+</file>
+
+<file path=customXml/item2.xml><?xml version="1.0" encoding="utf-8"?>
+<?mso-contentType ?>
+<FormTemplates xmlns="http://schemas.microsoft.com/sharepoint/v3/contenttype/forms">
+  <Display>DocumentLibraryForm</Display>
+  <Edit>DocumentLibraryForm</Edit>
+  <New>DocumentLibraryForm</New>
+</FormTemplates>
+</file>
+
+<file path=customXml/item3.xml><?xml version="1.0" encoding="utf-8"?>
 <ct:contentTypeSchema xmlns:ct="http://schemas.microsoft.com/office/2006/metadata/contentType" xmlns:ma="http://schemas.microsoft.com/office/2006/metadata/properties/metaAttributes" ct:_="" ma:_="" ma:contentTypeName="Document" ma:contentTypeID="0x0101001DB001B727DE50429AEE0FCECF63BC51" ma:contentTypeVersion="14" ma:contentTypeDescription="Create a new document." ma:contentTypeScope="" ma:versionID="ba42c850a59f1bdcdeb36903bbfba4f2">
   <xsd:schema xmlns:xsd="http://www.w3.org/2001/XMLSchema" xmlns:xs="http://www.w3.org/2001/XMLSchema" xmlns:p="http://schemas.microsoft.com/office/2006/metadata/properties" xmlns:ns3="80dcf2d8-23bd-4b78-a1b4-1d766a97a538" xmlns:ns4="61e2d236-7d6b-45a5-91f3-78346785ea18" targetNamespace="http://schemas.microsoft.com/office/2006/metadata/properties" ma:root="true" ma:fieldsID="ad199ee48a2cf95857b3e67748b68d60" ns3:_="" ns4:_="">
     <xsd:import namespace="80dcf2d8-23bd-4b78-a1b4-1d766a97a538"/>
@@ -6072,24 +7902,32 @@
 </ct:contentTypeSchema>
 </file>
 
-<file path=customXml/item2.xml><?xml version="1.0" encoding="utf-8"?>
-<?mso-contentType ?>
-<FormTemplates xmlns="http://schemas.microsoft.com/sharepoint/v3/contenttype/forms">
-  <Display>DocumentLibraryForm</Display>
-  <Edit>DocumentLibraryForm</Edit>
-  <New>DocumentLibraryForm</New>
-</FormTemplates>
+<file path=customXml/itemProps1.xml><?xml version="1.0" encoding="utf-8"?>
+<ds:datastoreItem xmlns:ds="http://schemas.openxmlformats.org/officeDocument/2006/customXml" ds:itemID="{96BC87DE-46D7-43BF-AE4B-1BDFDA2DA0AE}">
+  <ds:schemaRefs>
+    <ds:schemaRef ds:uri="80dcf2d8-23bd-4b78-a1b4-1d766a97a538"/>
+    <ds:schemaRef ds:uri="http://purl.org/dc/elements/1.1/"/>
+    <ds:schemaRef ds:uri="http://www.w3.org/XML/1998/namespace"/>
+    <ds:schemaRef ds:uri="61e2d236-7d6b-45a5-91f3-78346785ea18"/>
+    <ds:schemaRef ds:uri="http://schemas.microsoft.com/office/2006/metadata/properties"/>
+    <ds:schemaRef ds:uri="http://schemas.openxmlformats.org/package/2006/metadata/core-properties"/>
+    <ds:schemaRef ds:uri="http://schemas.microsoft.com/office/2006/documentManagement/types"/>
+    <ds:schemaRef ds:uri="http://schemas.microsoft.com/office/infopath/2007/PartnerControls"/>
+    <ds:schemaRef ds:uri="http://purl.org/dc/dcmitype/"/>
+    <ds:schemaRef ds:uri="http://purl.org/dc/terms/"/>
+  </ds:schemaRefs>
+</ds:datastoreItem>
 </file>
 
-<file path=customXml/item3.xml><?xml version="1.0" encoding="utf-8"?>
-<p:properties xmlns:p="http://schemas.microsoft.com/office/2006/metadata/properties" xmlns:xsi="http://www.w3.org/2001/XMLSchema-instance" xmlns:pc="http://schemas.microsoft.com/office/infopath/2007/PartnerControls">
-  <documentManagement>
-    <_activity xmlns="61e2d236-7d6b-45a5-91f3-78346785ea18" xsi:nil="true"/>
-  </documentManagement>
-</p:properties>
+<file path=customXml/itemProps2.xml><?xml version="1.0" encoding="utf-8"?>
+<ds:datastoreItem xmlns:ds="http://schemas.openxmlformats.org/officeDocument/2006/customXml" ds:itemID="{093E342A-6576-467E-88FD-DCA1372D7BD2}">
+  <ds:schemaRefs>
+    <ds:schemaRef ds:uri="http://schemas.microsoft.com/sharepoint/v3/contenttype/forms"/>
+  </ds:schemaRefs>
+</ds:datastoreItem>
 </file>
 
-<file path=customXml/itemProps1.xml><?xml version="1.0" encoding="utf-8"?>
+<file path=customXml/itemProps3.xml><?xml version="1.0" encoding="utf-8"?>
 <ds:datastoreItem xmlns:ds="http://schemas.openxmlformats.org/officeDocument/2006/customXml" ds:itemID="{96D9F549-95F7-466B-979C-926B6DF0F6DA}">
   <ds:schemaRefs>
     <ds:schemaRef ds:uri="http://schemas.microsoft.com/office/2006/metadata/contentType"/>
@@ -6106,29 +7944,4 @@
     <ds:schemaRef ds:uri="http://schemas.microsoft.com/internal/obd"/>
   </ds:schemaRefs>
 </ds:datastoreItem>
-</file>
-
-<file path=customXml/itemProps2.xml><?xml version="1.0" encoding="utf-8"?>
-<ds:datastoreItem xmlns:ds="http://schemas.openxmlformats.org/officeDocument/2006/customXml" ds:itemID="{093E342A-6576-467E-88FD-DCA1372D7BD2}">
-  <ds:schemaRefs>
-    <ds:schemaRef ds:uri="http://schemas.microsoft.com/sharepoint/v3/contenttype/forms"/>
-  </ds:schemaRefs>
-</ds:datastoreItem>
-</file>
-
-<file path=customXml/itemProps3.xml><?xml version="1.0" encoding="utf-8"?>
-<ds:datastoreItem xmlns:ds="http://schemas.openxmlformats.org/officeDocument/2006/customXml" ds:itemID="{96BC87DE-46D7-43BF-AE4B-1BDFDA2DA0AE}">
-  <ds:schemaRefs>
-    <ds:schemaRef ds:uri="http://schemas.microsoft.com/office/2006/documentManagement/types"/>
-    <ds:schemaRef ds:uri="http://schemas.microsoft.com/office/2006/metadata/properties"/>
-    <ds:schemaRef ds:uri="http://purl.org/dc/elements/1.1/"/>
-    <ds:schemaRef ds:uri="80dcf2d8-23bd-4b78-a1b4-1d766a97a538"/>
-    <ds:schemaRef ds:uri="http://schemas.openxmlformats.org/package/2006/metadata/core-properties"/>
-    <ds:schemaRef ds:uri="http://schemas.microsoft.com/office/infopath/2007/PartnerControls"/>
-    <ds:schemaRef ds:uri="61e2d236-7d6b-45a5-91f3-78346785ea18"/>
-    <ds:schemaRef ds:uri="http://www.w3.org/XML/1998/namespace"/>
-    <ds:schemaRef ds:uri="http://purl.org/dc/dcmitype/"/>
-    <ds:schemaRef ds:uri="http://purl.org/dc/terms/"/>
-  </ds:schemaRefs>
-</ds:datastoreItem>
 </file>